--- a/_PRESENTATION/healthcare_cost_consitency3.pptx
+++ b/_PRESENTATION/healthcare_cost_consitency3.pptx
@@ -5,10 +5,10 @@
     <p:sldMasterId id="2147483696" r:id="rId4"/>
   </p:sldMasterIdLst>
   <p:notesMasterIdLst>
-    <p:notesMasterId r:id="rId28"/>
+    <p:notesMasterId r:id="rId29"/>
   </p:notesMasterIdLst>
   <p:handoutMasterIdLst>
-    <p:handoutMasterId r:id="rId29"/>
+    <p:handoutMasterId r:id="rId30"/>
   </p:handoutMasterIdLst>
   <p:sldIdLst>
     <p:sldId id="257" r:id="rId5"/>
@@ -22,18 +22,19 @@
     <p:sldId id="260" r:id="rId13"/>
     <p:sldId id="262" r:id="rId14"/>
     <p:sldId id="264" r:id="rId15"/>
-    <p:sldId id="265" r:id="rId16"/>
-    <p:sldId id="273" r:id="rId17"/>
-    <p:sldId id="274" r:id="rId18"/>
-    <p:sldId id="266" r:id="rId19"/>
-    <p:sldId id="275" r:id="rId20"/>
-    <p:sldId id="276" r:id="rId21"/>
-    <p:sldId id="267" r:id="rId22"/>
-    <p:sldId id="269" r:id="rId23"/>
-    <p:sldId id="268" r:id="rId24"/>
-    <p:sldId id="270" r:id="rId25"/>
-    <p:sldId id="271" r:id="rId26"/>
-    <p:sldId id="272" r:id="rId27"/>
+    <p:sldId id="281" r:id="rId16"/>
+    <p:sldId id="265" r:id="rId17"/>
+    <p:sldId id="273" r:id="rId18"/>
+    <p:sldId id="274" r:id="rId19"/>
+    <p:sldId id="266" r:id="rId20"/>
+    <p:sldId id="275" r:id="rId21"/>
+    <p:sldId id="276" r:id="rId22"/>
+    <p:sldId id="267" r:id="rId23"/>
+    <p:sldId id="269" r:id="rId24"/>
+    <p:sldId id="268" r:id="rId25"/>
+    <p:sldId id="270" r:id="rId26"/>
+    <p:sldId id="271" r:id="rId27"/>
+    <p:sldId id="272" r:id="rId28"/>
   </p:sldIdLst>
   <p:sldSz cx="12192000" cy="6858000"/>
   <p:notesSz cx="6858000" cy="9144000"/>
@@ -225,7 +226,7 @@
           <a:p>
             <a:fld id="{E4560B6B-963E-45AD-B18D-9DA3469D83C9}" type="datetimeFigureOut">
               <a:rPr lang="en-US" smtClean="0"/>
-              <a:t>9/8/2019</a:t>
+              <a:t>9/9/2019</a:t>
             </a:fld>
             <a:endParaRPr lang="en-US"/>
           </a:p>
@@ -390,7 +391,7 @@
           <a:p>
             <a:fld id="{428D2A0D-6B45-4215-8A49-D14849101A69}" type="datetimeFigureOut">
               <a:rPr lang="en-US" smtClean="0"/>
-              <a:t>9/7/2019</a:t>
+              <a:t>9/9/2019</a:t>
             </a:fld>
             <a:endParaRPr lang="en-US"/>
           </a:p>
@@ -741,6 +742,90 @@
 </p:notes>
 </file>
 
+<file path=ppt/notesSlides/notesSlide2.xml><?xml version="1.0" encoding="utf-8"?>
+<p:notes xmlns:a="http://schemas.openxmlformats.org/drawingml/2006/main" xmlns:r="http://schemas.openxmlformats.org/officeDocument/2006/relationships" xmlns:p="http://schemas.openxmlformats.org/presentationml/2006/main">
+  <p:cSld>
+    <p:spTree>
+      <p:nvGrpSpPr>
+        <p:cNvPr id="1" name=""/>
+        <p:cNvGrpSpPr/>
+        <p:nvPr/>
+      </p:nvGrpSpPr>
+      <p:grpSpPr>
+        <a:xfrm>
+          <a:off x="0" y="0"/>
+          <a:ext cx="0" cy="0"/>
+          <a:chOff x="0" y="0"/>
+          <a:chExt cx="0" cy="0"/>
+        </a:xfrm>
+      </p:grpSpPr>
+      <p:sp>
+        <p:nvSpPr>
+          <p:cNvPr id="2" name="Slide Image Placeholder 1"/>
+          <p:cNvSpPr>
+            <a:spLocks noGrp="1" noRot="1" noChangeAspect="1"/>
+          </p:cNvSpPr>
+          <p:nvPr>
+            <p:ph type="sldImg"/>
+          </p:nvPr>
+        </p:nvSpPr>
+        <p:spPr/>
+      </p:sp>
+      <p:sp>
+        <p:nvSpPr>
+          <p:cNvPr id="3" name="Notes Placeholder 2"/>
+          <p:cNvSpPr>
+            <a:spLocks noGrp="1"/>
+          </p:cNvSpPr>
+          <p:nvPr>
+            <p:ph type="body" idx="1"/>
+          </p:nvPr>
+        </p:nvSpPr>
+        <p:spPr/>
+        <p:txBody>
+          <a:bodyPr/>
+          <a:lstStyle/>
+          <a:p>
+            <a:endParaRPr lang="en-US" dirty="0"/>
+          </a:p>
+        </p:txBody>
+      </p:sp>
+      <p:sp>
+        <p:nvSpPr>
+          <p:cNvPr id="4" name="Slide Number Placeholder 3"/>
+          <p:cNvSpPr>
+            <a:spLocks noGrp="1"/>
+          </p:cNvSpPr>
+          <p:nvPr>
+            <p:ph type="sldNum" sz="quarter" idx="5"/>
+          </p:nvPr>
+        </p:nvSpPr>
+        <p:spPr/>
+        <p:txBody>
+          <a:bodyPr/>
+          <a:lstStyle/>
+          <a:p>
+            <a:fld id="{96E6A182-AF03-4CC8-94DC-C0726DF52A64}" type="slidenum">
+              <a:rPr lang="en-US" smtClean="0"/>
+              <a:t>10</a:t>
+            </a:fld>
+            <a:endParaRPr lang="en-US"/>
+          </a:p>
+        </p:txBody>
+      </p:sp>
+    </p:spTree>
+    <p:extLst>
+      <p:ext uri="{BB962C8B-B14F-4D97-AF65-F5344CB8AC3E}">
+        <p14:creationId xmlns:p14="http://schemas.microsoft.com/office/powerpoint/2010/main" val="1640405575"/>
+      </p:ext>
+    </p:extLst>
+  </p:cSld>
+  <p:clrMapOvr>
+    <a:masterClrMapping/>
+  </p:clrMapOvr>
+</p:notes>
+</file>
+
 <file path=ppt/slideLayouts/slideLayout1.xml><?xml version="1.0" encoding="utf-8"?>
 <p:sldLayout xmlns:a="http://schemas.openxmlformats.org/drawingml/2006/main" xmlns:r="http://schemas.openxmlformats.org/officeDocument/2006/relationships" xmlns:p="http://schemas.openxmlformats.org/presentationml/2006/main" type="title" preserve="1">
   <p:cSld name="Title Slide">
@@ -775,7 +860,7 @@
           <a:p>
             <a:fld id="{8AE1E626-6EB7-4D9A-AD4A-B54D1684CAD1}" type="datetime1">
               <a:rPr lang="en-US" smtClean="0"/>
-              <a:t>9/7/2019</a:t>
+              <a:t>9/9/2019</a:t>
             </a:fld>
             <a:endParaRPr lang="en-US"/>
           </a:p>
@@ -999,7 +1084,7 @@
           <a:p>
             <a:fld id="{59932EDF-E99E-4C68-AFCB-7A835B309D6D}" type="datetime1">
               <a:rPr lang="en-US" smtClean="0"/>
-              <a:t>9/7/2019</a:t>
+              <a:t>9/9/2019</a:t>
             </a:fld>
             <a:endParaRPr lang="en-US"/>
           </a:p>
@@ -1181,7 +1266,7 @@
           <a:p>
             <a:fld id="{5F82D85F-A551-4C69-800A-8CFFA2306A88}" type="datetime1">
               <a:rPr lang="en-US" smtClean="0"/>
-              <a:t>9/7/2019</a:t>
+              <a:t>9/9/2019</a:t>
             </a:fld>
             <a:endParaRPr lang="en-US"/>
           </a:p>
@@ -1372,7 +1457,7 @@
           <a:p>
             <a:fld id="{3BD24A36-10EA-4DE5-9251-C62AA44714D2}" type="datetime1">
               <a:rPr lang="en-US" smtClean="0"/>
-              <a:t>9/7/2019</a:t>
+              <a:t>9/9/2019</a:t>
             </a:fld>
             <a:endParaRPr lang="en-US"/>
           </a:p>
@@ -1553,7 +1638,7 @@
           <a:p>
             <a:fld id="{45E95A85-13CC-45EA-B1A6-5B8E77AB646B}" type="datetime1">
               <a:rPr lang="en-US" smtClean="0"/>
-              <a:t>9/7/2019</a:t>
+              <a:t>9/9/2019</a:t>
             </a:fld>
             <a:endParaRPr lang="en-US"/>
           </a:p>
@@ -1802,7 +1887,7 @@
           <a:p>
             <a:fld id="{34B71815-F531-4787-BA2A-626422C133AD}" type="datetime1">
               <a:rPr lang="en-US" smtClean="0"/>
-              <a:t>9/7/2019</a:t>
+              <a:t>9/9/2019</a:t>
             </a:fld>
             <a:endParaRPr lang="en-US"/>
           </a:p>
@@ -2077,7 +2162,7 @@
           <a:p>
             <a:fld id="{56C4885B-3C5C-43BB-9862-47948E5DF551}" type="datetime1">
               <a:rPr lang="en-US" smtClean="0"/>
-              <a:t>9/7/2019</a:t>
+              <a:t>9/9/2019</a:t>
             </a:fld>
             <a:endParaRPr lang="en-US"/>
           </a:p>
@@ -2467,7 +2552,7 @@
           <a:p>
             <a:fld id="{9703B6AF-AB61-4D8E-B7B7-705C5ACEBBCC}" type="datetime1">
               <a:rPr lang="en-US" smtClean="0"/>
-              <a:t>9/7/2019</a:t>
+              <a:t>9/9/2019</a:t>
             </a:fld>
             <a:endParaRPr lang="en-US"/>
           </a:p>
@@ -2596,7 +2681,7 @@
           <a:p>
             <a:fld id="{59B3EC9A-B094-4092-8061-75D86CB34931}" type="datetime1">
               <a:rPr lang="en-US" smtClean="0"/>
-              <a:t>9/7/2019</a:t>
+              <a:t>9/9/2019</a:t>
             </a:fld>
             <a:endParaRPr lang="en-US"/>
           </a:p>
@@ -2703,7 +2788,7 @@
           <a:p>
             <a:fld id="{64E1AEED-2323-4359-853E-316DF6600362}" type="datetime1">
               <a:rPr lang="en-US" smtClean="0"/>
-              <a:t>9/7/2019</a:t>
+              <a:t>9/9/2019</a:t>
             </a:fld>
             <a:endParaRPr lang="en-US"/>
           </a:p>
@@ -2982,7 +3067,7 @@
           <a:p>
             <a:fld id="{333AC2DF-F1FD-4724-A563-92BADFC82ECC}" type="datetime1">
               <a:rPr lang="en-US" smtClean="0"/>
-              <a:t>9/7/2019</a:t>
+              <a:t>9/9/2019</a:t>
             </a:fld>
             <a:endParaRPr lang="en-US"/>
           </a:p>
@@ -3289,7 +3374,7 @@
           <a:p>
             <a:fld id="{8D20E2CF-D74B-4B51-899A-DCEA821C90C7}" type="datetime1">
               <a:rPr lang="en-US" smtClean="0"/>
-              <a:t>9/7/2019</a:t>
+              <a:t>9/9/2019</a:t>
             </a:fld>
             <a:endParaRPr lang="en-US"/>
           </a:p>
@@ -8042,7 +8127,7 @@
           <p:nvPr/>
         </p:nvPicPr>
         <p:blipFill>
-          <a:blip r:embed="rId2"/>
+          <a:blip r:embed="rId3"/>
           <a:stretch>
             <a:fillRect/>
           </a:stretch>
@@ -8072,7 +8157,7 @@
           <p:nvPr/>
         </p:nvPicPr>
         <p:blipFill>
-          <a:blip r:embed="rId3"/>
+          <a:blip r:embed="rId4"/>
           <a:stretch>
             <a:fillRect/>
           </a:stretch>
@@ -8348,117 +8433,428 @@
       </p:grpSpPr>
       <p:sp>
         <p:nvSpPr>
-          <p:cNvPr id="4" name="Title 1">
+          <p:cNvPr id="2" name="Title 1"/>
+          <p:cNvSpPr>
+            <a:spLocks noGrp="1"/>
+          </p:cNvSpPr>
+          <p:nvPr>
+            <p:ph type="title"/>
+          </p:nvPr>
+        </p:nvSpPr>
+        <p:spPr>
+          <a:xfrm>
+            <a:off x="217438" y="-79951"/>
+            <a:ext cx="11974562" cy="1287481"/>
+          </a:xfrm>
+        </p:spPr>
+        <p:txBody>
+          <a:bodyPr>
+            <a:normAutofit fontScale="90000"/>
+          </a:bodyPr>
+          <a:lstStyle/>
+          <a:p>
+            <a:r>
+              <a:rPr lang="en-US" dirty="0">
+                <a:solidFill>
+                  <a:srgbClr val="FFFF00"/>
+                </a:solidFill>
+                <a:effectLst/>
+              </a:rPr>
+              <a:t>Mississippi - Removing ‘Aberrantly-Priced’ Merit Healthcare</a:t>
+            </a:r>
+            <a:endParaRPr lang="en-US" dirty="0">
+              <a:solidFill>
+                <a:srgbClr val="FFFF66"/>
+              </a:solidFill>
+            </a:endParaRPr>
+          </a:p>
+        </p:txBody>
+      </p:sp>
+      <p:sp>
+        <p:nvSpPr>
+          <p:cNvPr id="3" name="Content Placeholder 2">
             <a:extLst>
               <a:ext uri="{FF2B5EF4-FFF2-40B4-BE49-F238E27FC236}">
-                <a16:creationId xmlns:a16="http://schemas.microsoft.com/office/drawing/2014/main" id="{DB80AC6B-1CF5-4A75-9071-0A36036FA57A}"/>
+                <a16:creationId xmlns:a16="http://schemas.microsoft.com/office/drawing/2014/main" id="{80C1BCAA-CD4B-49E7-9D8B-415B3E66ADF7}"/>
               </a:ext>
             </a:extLst>
           </p:cNvPr>
-          <p:cNvSpPr txBox="1">
-            <a:spLocks/>
+          <p:cNvSpPr>
+            <a:spLocks noGrp="1"/>
           </p:cNvSpPr>
-          <p:nvPr/>
+          <p:nvPr>
+            <p:ph idx="1"/>
+          </p:nvPr>
         </p:nvSpPr>
         <p:spPr>
           <a:xfrm>
-            <a:off x="775450" y="-173316"/>
-            <a:ext cx="11544886" cy="1143000"/>
+            <a:off x="217437" y="1024111"/>
+            <a:ext cx="11756858" cy="769441"/>
           </a:xfrm>
-          <a:prstGeom prst="rect">
-            <a:avLst/>
-          </a:prstGeom>
         </p:spPr>
         <p:txBody>
-          <a:bodyPr vert="horz" anchor="ctr">
-            <a:normAutofit fontScale="90000"/>
-            <a:scene3d>
-              <a:camera prst="orthographicFront"/>
-              <a:lightRig rig="soft" dir="t">
-                <a:rot lat="0" lon="0" rev="16800000"/>
-              </a:lightRig>
-            </a:scene3d>
-            <a:sp3d prstMaterial="softEdge">
-              <a:bevelT w="38100" h="38100"/>
-            </a:sp3d>
+          <a:bodyPr>
+            <a:normAutofit fontScale="85000" lnSpcReduction="20000"/>
           </a:bodyPr>
-          <a:lstStyle>
-            <a:lvl1pPr algn="ctr" rtl="0" eaLnBrk="1" latinLnBrk="0" hangingPunct="1">
-              <a:spcBef>
-                <a:spcPct val="0"/>
-              </a:spcBef>
-              <a:buNone/>
-              <a:defRPr kumimoji="0" sz="4100" b="1" kern="1200" cap="none" baseline="0">
-                <a:ln w="6350">
-                  <a:noFill/>
-                </a:ln>
-                <a:solidFill>
-                  <a:schemeClr val="accent2"/>
-                </a:solidFill>
-                <a:effectLst>
-                  <a:outerShdw blurRad="114300" dist="101600" dir="2700000" algn="tl" rotWithShape="0">
-                    <a:srgbClr val="000000">
-                      <a:alpha val="40000"/>
-                    </a:srgbClr>
-                  </a:outerShdw>
-                </a:effectLst>
-                <a:latin typeface="+mj-lt"/>
-                <a:ea typeface="+mj-ea"/>
-                <a:cs typeface="+mj-cs"/>
-              </a:defRPr>
-            </a:lvl1pPr>
-          </a:lstStyle>
-          <a:p>
-            <a:r>
-              <a:rPr lang="en-US" dirty="0">
-                <a:solidFill>
-                  <a:srgbClr val="FFFF66"/>
-                </a:solidFill>
-              </a:rPr>
-              <a:t>New York – Deep Dive on Charges – Joint Replacement</a:t>
+          <a:lstStyle/>
+          <a:p>
+            <a:r>
+              <a:rPr lang="en-US" dirty="0"/>
+              <a:t>Now ‘more predictable’ with a lower order polynomial</a:t>
+            </a:r>
+          </a:p>
+          <a:p>
+            <a:r>
+              <a:rPr lang="en-US" dirty="0"/>
+              <a:t>Null Hypothesis holds - Mississippi not correlating list prices to population density </a:t>
             </a:r>
           </a:p>
         </p:txBody>
       </p:sp>
-      <p:pic>
-        <p:nvPicPr>
-          <p:cNvPr id="10" name="Content Placeholder 9" descr="A picture containing text&#10;&#10;Description automatically generated">
+      <p:grpSp>
+        <p:nvGrpSpPr>
+          <p:cNvPr id="23" name="Group 22">
             <a:extLst>
               <a:ext uri="{FF2B5EF4-FFF2-40B4-BE49-F238E27FC236}">
-                <a16:creationId xmlns:a16="http://schemas.microsoft.com/office/drawing/2014/main" id="{A48413A6-0778-4189-B49D-4D650B81B0C8}"/>
+                <a16:creationId xmlns:a16="http://schemas.microsoft.com/office/drawing/2014/main" id="{B5D40A4D-A68A-40CD-824E-02A1A78F47DC}"/>
               </a:ext>
             </a:extLst>
           </p:cNvPr>
-          <p:cNvPicPr>
-            <a:picLocks noGrp="1" noChangeAspect="1"/>
-          </p:cNvPicPr>
-          <p:nvPr>
-            <p:ph idx="1"/>
-          </p:nvPr>
-        </p:nvPicPr>
-        <p:blipFill>
-          <a:blip r:embed="rId2">
+          <p:cNvGrpSpPr/>
+          <p:nvPr/>
+        </p:nvGrpSpPr>
+        <p:grpSpPr>
+          <a:xfrm>
+            <a:off x="217437" y="1962639"/>
+            <a:ext cx="5487650" cy="4415101"/>
+            <a:chOff x="217437" y="2383554"/>
+            <a:chExt cx="5487650" cy="4415101"/>
+          </a:xfrm>
+        </p:grpSpPr>
+        <p:pic>
+          <p:nvPicPr>
+            <p:cNvPr id="6" name="Picture 5" descr="A screenshot of a cell phone screen with text&#10;&#10;Description automatically generated">
+              <a:extLst>
+                <a:ext uri="{FF2B5EF4-FFF2-40B4-BE49-F238E27FC236}">
+                  <a16:creationId xmlns:a16="http://schemas.microsoft.com/office/drawing/2014/main" id="{58F38D53-83A3-4365-8881-0F3135B5EF04}"/>
+                </a:ext>
+              </a:extLst>
+            </p:cNvPr>
+            <p:cNvPicPr>
+              <a:picLocks noChangeAspect="1"/>
+            </p:cNvPicPr>
+            <p:nvPr/>
+          </p:nvPicPr>
+          <p:blipFill>
+            <a:blip r:embed="rId2">
+              <a:extLst>
+                <a:ext uri="{28A0092B-C50C-407E-A947-70E740481C1C}">
+                  <a14:useLocalDpi xmlns:a14="http://schemas.microsoft.com/office/drawing/2010/main" val="0"/>
+                </a:ext>
+              </a:extLst>
+            </a:blip>
+            <a:stretch>
+              <a:fillRect/>
+            </a:stretch>
+          </p:blipFill>
+          <p:spPr>
+            <a:xfrm>
+              <a:off x="217437" y="2383554"/>
+              <a:ext cx="5487650" cy="3658433"/>
+            </a:xfrm>
+            <a:prstGeom prst="rect">
+              <a:avLst/>
+            </a:prstGeom>
+          </p:spPr>
+        </p:pic>
+        <p:sp>
+          <p:nvSpPr>
+            <p:cNvPr id="17" name="TextBox 16">
+              <a:extLst>
+                <a:ext uri="{FF2B5EF4-FFF2-40B4-BE49-F238E27FC236}">
+                  <a16:creationId xmlns:a16="http://schemas.microsoft.com/office/drawing/2014/main" id="{DD36F862-855F-4E3B-9BD1-E7F387CEE250}"/>
+                </a:ext>
+              </a:extLst>
+            </p:cNvPr>
+            <p:cNvSpPr txBox="1"/>
+            <p:nvPr/>
+          </p:nvSpPr>
+          <p:spPr>
+            <a:xfrm>
+              <a:off x="217705" y="6029214"/>
+              <a:ext cx="5487382" cy="769441"/>
+            </a:xfrm>
+            <a:prstGeom prst="rect">
+              <a:avLst/>
+            </a:prstGeom>
+            <a:solidFill>
+              <a:schemeClr val="tx1"/>
+            </a:solidFill>
+          </p:spPr>
+          <p:txBody>
+            <a:bodyPr wrap="square" rtlCol="0">
+              <a:spAutoFit/>
+            </a:bodyPr>
+            <a:lstStyle/>
+            <a:p>
+              <a:r>
+                <a:rPr lang="en-US" sz="1100" dirty="0">
+                  <a:solidFill>
+                    <a:schemeClr val="tx2">
+                      <a:lumMod val="10000"/>
+                    </a:schemeClr>
+                  </a:solidFill>
+                </a:rPr>
+                <a:t>T-Test: T-Value = -10.393641445884066, </a:t>
+              </a:r>
+              <a:r>
+                <a:rPr lang="en-US" sz="1100" dirty="0" err="1">
+                  <a:solidFill>
+                    <a:schemeClr val="tx2">
+                      <a:lumMod val="10000"/>
+                    </a:schemeClr>
+                  </a:solidFill>
+                </a:rPr>
+                <a:t>pvalue</a:t>
+              </a:r>
+              <a:r>
+                <a:rPr lang="en-US" sz="1100" dirty="0">
+                  <a:solidFill>
+                    <a:schemeClr val="tx2">
+                      <a:lumMod val="10000"/>
+                    </a:schemeClr>
+                  </a:solidFill>
+                </a:rPr>
+                <a:t> = 1.5653853256619052e-08</a:t>
+              </a:r>
+            </a:p>
+            <a:p>
+              <a:r>
+                <a:rPr lang="en-US" sz="1100" dirty="0">
+                  <a:solidFill>
+                    <a:schemeClr val="tx2">
+                      <a:lumMod val="10000"/>
+                    </a:schemeClr>
+                  </a:solidFill>
+                </a:rPr>
+                <a:t>Linear Regression: Slope = -2.585994347816789, Intercept = 49622.395839073986, </a:t>
+              </a:r>
+              <a:r>
+                <a:rPr lang="en-US" sz="1100" dirty="0" err="1">
+                  <a:solidFill>
+                    <a:schemeClr val="tx2">
+                      <a:lumMod val="10000"/>
+                    </a:schemeClr>
+                  </a:solidFill>
+                </a:rPr>
+                <a:t>Pvalue</a:t>
+              </a:r>
+              <a:r>
+                <a:rPr lang="en-US" sz="1100" dirty="0">
+                  <a:solidFill>
+                    <a:schemeClr val="tx2">
+                      <a:lumMod val="10000"/>
+                    </a:schemeClr>
+                  </a:solidFill>
+                </a:rPr>
+                <a:t> = 0.7385288340811982, R^2=0.007650270572038645</a:t>
+              </a:r>
+            </a:p>
+            <a:p>
+              <a:r>
+                <a:rPr lang="en-US" sz="1100" dirty="0">
+                  <a:solidFill>
+                    <a:schemeClr val="tx2">
+                      <a:lumMod val="10000"/>
+                    </a:schemeClr>
+                  </a:solidFill>
+                </a:rPr>
+                <a:t>Polynomial Regression:.0004238 x^3 - 0.6764 x^2 + 366.3 x + 1.079e+04</a:t>
+              </a:r>
+            </a:p>
+          </p:txBody>
+        </p:sp>
+      </p:grpSp>
+      <p:grpSp>
+        <p:nvGrpSpPr>
+          <p:cNvPr id="24" name="Group 23">
             <a:extLst>
-              <a:ext uri="{28A0092B-C50C-407E-A947-70E740481C1C}">
-                <a14:useLocalDpi xmlns:a14="http://schemas.microsoft.com/office/drawing/2010/main" val="0"/>
+              <a:ext uri="{FF2B5EF4-FFF2-40B4-BE49-F238E27FC236}">
+                <a16:creationId xmlns:a16="http://schemas.microsoft.com/office/drawing/2014/main" id="{9BC5EE1A-F3EC-433D-BE08-DBA080AD1AA8}"/>
               </a:ext>
             </a:extLst>
-          </a:blip>
-          <a:stretch>
-            <a:fillRect/>
-          </a:stretch>
-        </p:blipFill>
-        <p:spPr>
+          </p:cNvPr>
+          <p:cNvGrpSpPr/>
+          <p:nvPr/>
+        </p:nvGrpSpPr>
+        <p:grpSpPr>
           <a:xfrm>
-            <a:off x="1283070" y="721896"/>
-            <a:ext cx="10101396" cy="8671954"/>
+            <a:off x="6486913" y="1962639"/>
+            <a:ext cx="5487650" cy="4427874"/>
+            <a:chOff x="6486913" y="2383554"/>
+            <a:chExt cx="5487650" cy="4427874"/>
           </a:xfrm>
-        </p:spPr>
-      </p:pic>
+        </p:grpSpPr>
+        <p:pic>
+          <p:nvPicPr>
+            <p:cNvPr id="9" name="Picture 8" descr="A screenshot of a cell phone&#10;&#10;Description automatically generated">
+              <a:extLst>
+                <a:ext uri="{FF2B5EF4-FFF2-40B4-BE49-F238E27FC236}">
+                  <a16:creationId xmlns:a16="http://schemas.microsoft.com/office/drawing/2014/main" id="{723E9C12-87D6-42CB-95A5-18776B712D37}"/>
+                </a:ext>
+              </a:extLst>
+            </p:cNvPr>
+            <p:cNvPicPr>
+              <a:picLocks noChangeAspect="1"/>
+            </p:cNvPicPr>
+            <p:nvPr/>
+          </p:nvPicPr>
+          <p:blipFill>
+            <a:blip r:embed="rId3">
+              <a:extLst>
+                <a:ext uri="{28A0092B-C50C-407E-A947-70E740481C1C}">
+                  <a14:useLocalDpi xmlns:a14="http://schemas.microsoft.com/office/drawing/2010/main" val="0"/>
+                </a:ext>
+              </a:extLst>
+            </a:blip>
+            <a:stretch>
+              <a:fillRect/>
+            </a:stretch>
+          </p:blipFill>
+          <p:spPr>
+            <a:xfrm>
+              <a:off x="6486913" y="2383554"/>
+              <a:ext cx="5487650" cy="3658433"/>
+            </a:xfrm>
+            <a:prstGeom prst="rect">
+              <a:avLst/>
+            </a:prstGeom>
+          </p:spPr>
+        </p:pic>
+        <p:sp>
+          <p:nvSpPr>
+            <p:cNvPr id="22" name="TextBox 21">
+              <a:extLst>
+                <a:ext uri="{FF2B5EF4-FFF2-40B4-BE49-F238E27FC236}">
+                  <a16:creationId xmlns:a16="http://schemas.microsoft.com/office/drawing/2014/main" id="{69036744-9AFC-4A56-8C40-3BB1F8FACA11}"/>
+                </a:ext>
+              </a:extLst>
+            </p:cNvPr>
+            <p:cNvSpPr txBox="1"/>
+            <p:nvPr/>
+          </p:nvSpPr>
+          <p:spPr>
+            <a:xfrm>
+              <a:off x="6486913" y="6041987"/>
+              <a:ext cx="5487382" cy="769441"/>
+            </a:xfrm>
+            <a:prstGeom prst="rect">
+              <a:avLst/>
+            </a:prstGeom>
+            <a:solidFill>
+              <a:schemeClr val="tx1"/>
+            </a:solidFill>
+          </p:spPr>
+          <p:txBody>
+            <a:bodyPr wrap="square" rtlCol="0">
+              <a:spAutoFit/>
+            </a:bodyPr>
+            <a:lstStyle/>
+            <a:p>
+              <a:r>
+                <a:rPr lang="en-US" sz="1100" dirty="0">
+                  <a:solidFill>
+                    <a:schemeClr val="tx2">
+                      <a:lumMod val="10000"/>
+                    </a:schemeClr>
+                  </a:solidFill>
+                </a:rPr>
+                <a:t>T-Test: T-Value = -11.24463528438743, </a:t>
+              </a:r>
+              <a:r>
+                <a:rPr lang="en-US" sz="1100" dirty="0" err="1">
+                  <a:solidFill>
+                    <a:schemeClr val="tx2">
+                      <a:lumMod val="10000"/>
+                    </a:schemeClr>
+                  </a:solidFill>
+                </a:rPr>
+                <a:t>pvalue</a:t>
+              </a:r>
+              <a:r>
+                <a:rPr lang="en-US" sz="1100" dirty="0">
+                  <a:solidFill>
+                    <a:schemeClr val="tx2">
+                      <a:lumMod val="10000"/>
+                    </a:schemeClr>
+                  </a:solidFill>
+                </a:rPr>
+                <a:t> = 1.7856502073931564e-07</a:t>
+              </a:r>
+            </a:p>
+            <a:p>
+              <a:r>
+                <a:rPr lang="en-US" sz="1100" dirty="0">
+                  <a:solidFill>
+                    <a:schemeClr val="tx2">
+                      <a:lumMod val="10000"/>
+                    </a:schemeClr>
+                  </a:solidFill>
+                </a:rPr>
+                <a:t>Linear Regression: Slope = 0.09737376883056005, Intercept = 20709.282317061916, </a:t>
+              </a:r>
+            </a:p>
+            <a:p>
+              <a:r>
+                <a:rPr lang="en-US" sz="1100" dirty="0">
+                  <a:solidFill>
+                    <a:schemeClr val="tx2">
+                      <a:lumMod val="10000"/>
+                    </a:schemeClr>
+                  </a:solidFill>
+                </a:rPr>
+                <a:t>	     </a:t>
+              </a:r>
+              <a:r>
+                <a:rPr lang="en-US" sz="1100" dirty="0" err="1">
+                  <a:solidFill>
+                    <a:schemeClr val="tx2">
+                      <a:lumMod val="10000"/>
+                    </a:schemeClr>
+                  </a:solidFill>
+                </a:rPr>
+                <a:t>Pvalue</a:t>
+              </a:r>
+              <a:r>
+                <a:rPr lang="en-US" sz="1100" dirty="0">
+                  <a:solidFill>
+                    <a:schemeClr val="tx2">
+                      <a:lumMod val="10000"/>
+                    </a:schemeClr>
+                  </a:solidFill>
+                </a:rPr>
+                <a:t> = 0.972821015998601, R^2=0.0001220131303265545</a:t>
+              </a:r>
+            </a:p>
+            <a:p>
+              <a:r>
+                <a:rPr lang="en-US" sz="1100" dirty="0">
+                  <a:solidFill>
+                    <a:schemeClr val="tx2">
+                      <a:lumMod val="10000"/>
+                    </a:schemeClr>
+                  </a:solidFill>
+                </a:rPr>
+                <a:t>Polynomial Regression: 0.0001452 x^3 + 0.2283 x^2 + 121.8 x + 8002</a:t>
+              </a:r>
+            </a:p>
+          </p:txBody>
+        </p:sp>
+      </p:grpSp>
     </p:spTree>
     <p:extLst>
       <p:ext uri="{BB962C8B-B14F-4D97-AF65-F5344CB8AC3E}">
-        <p14:creationId xmlns:p14="http://schemas.microsoft.com/office/powerpoint/2010/main" val="3285514700"/>
+        <p14:creationId xmlns:p14="http://schemas.microsoft.com/office/powerpoint/2010/main" val="823187688"/>
       </p:ext>
     </p:extLst>
   </p:cSld>
@@ -8573,17 +8969,19 @@
       </p:sp>
       <p:pic>
         <p:nvPicPr>
-          <p:cNvPr id="3" name="Picture 2" descr="A screenshot of a cell phone&#10;&#10;Description automatically generated">
+          <p:cNvPr id="10" name="Content Placeholder 9" descr="A picture containing text&#10;&#10;Description automatically generated">
             <a:extLst>
               <a:ext uri="{FF2B5EF4-FFF2-40B4-BE49-F238E27FC236}">
-                <a16:creationId xmlns:a16="http://schemas.microsoft.com/office/drawing/2014/main" id="{678D2447-ACBB-4240-B609-080FB9AEF543}"/>
+                <a16:creationId xmlns:a16="http://schemas.microsoft.com/office/drawing/2014/main" id="{A48413A6-0778-4189-B49D-4D650B81B0C8}"/>
               </a:ext>
             </a:extLst>
           </p:cNvPr>
           <p:cNvPicPr>
-            <a:picLocks noChangeAspect="1"/>
+            <a:picLocks noGrp="1" noChangeAspect="1"/>
           </p:cNvPicPr>
-          <p:nvPr/>
+          <p:nvPr>
+            <p:ph idx="1"/>
+          </p:nvPr>
         </p:nvPicPr>
         <p:blipFill>
           <a:blip r:embed="rId2">
@@ -8599,18 +8997,15 @@
         </p:blipFill>
         <p:spPr>
           <a:xfrm>
-            <a:off x="1320250" y="753979"/>
-            <a:ext cx="10197982" cy="8495852"/>
+            <a:off x="2586413" y="679692"/>
+            <a:ext cx="7019174" cy="6025896"/>
           </a:xfrm>
-          <a:prstGeom prst="rect">
-            <a:avLst/>
-          </a:prstGeom>
         </p:spPr>
       </p:pic>
     </p:spTree>
     <p:extLst>
       <p:ext uri="{BB962C8B-B14F-4D97-AF65-F5344CB8AC3E}">
-        <p14:creationId xmlns:p14="http://schemas.microsoft.com/office/powerpoint/2010/main" val="1927994659"/>
+        <p14:creationId xmlns:p14="http://schemas.microsoft.com/office/powerpoint/2010/main" val="3285514700"/>
       </p:ext>
     </p:extLst>
   </p:cSld>
@@ -8725,6 +9120,158 @@
       </p:sp>
       <p:pic>
         <p:nvPicPr>
+          <p:cNvPr id="3" name="Picture 2" descr="A screenshot of a cell phone&#10;&#10;Description automatically generated">
+            <a:extLst>
+              <a:ext uri="{FF2B5EF4-FFF2-40B4-BE49-F238E27FC236}">
+                <a16:creationId xmlns:a16="http://schemas.microsoft.com/office/drawing/2014/main" id="{678D2447-ACBB-4240-B609-080FB9AEF543}"/>
+              </a:ext>
+            </a:extLst>
+          </p:cNvPr>
+          <p:cNvPicPr>
+            <a:picLocks noChangeAspect="1"/>
+          </p:cNvPicPr>
+          <p:nvPr/>
+        </p:nvPicPr>
+        <p:blipFill>
+          <a:blip r:embed="rId2">
+            <a:extLst>
+              <a:ext uri="{28A0092B-C50C-407E-A947-70E740481C1C}">
+                <a14:useLocalDpi xmlns:a14="http://schemas.microsoft.com/office/drawing/2010/main" val="0"/>
+              </a:ext>
+            </a:extLst>
+          </a:blip>
+          <a:stretch>
+            <a:fillRect/>
+          </a:stretch>
+        </p:blipFill>
+        <p:spPr>
+          <a:xfrm>
+            <a:off x="2570922" y="714223"/>
+            <a:ext cx="7237780" cy="6029733"/>
+          </a:xfrm>
+          <a:prstGeom prst="rect">
+            <a:avLst/>
+          </a:prstGeom>
+        </p:spPr>
+      </p:pic>
+    </p:spTree>
+    <p:extLst>
+      <p:ext uri="{BB962C8B-B14F-4D97-AF65-F5344CB8AC3E}">
+        <p14:creationId xmlns:p14="http://schemas.microsoft.com/office/powerpoint/2010/main" val="1927994659"/>
+      </p:ext>
+    </p:extLst>
+  </p:cSld>
+  <p:clrMapOvr>
+    <a:masterClrMapping/>
+  </p:clrMapOvr>
+  <mc:AlternateContent xmlns:mc="http://schemas.openxmlformats.org/markup-compatibility/2006" xmlns:p14="http://schemas.microsoft.com/office/powerpoint/2010/main">
+    <mc:Choice Requires="p14">
+      <p:transition spd="med" p14:dur="700">
+        <p:fade/>
+      </p:transition>
+    </mc:Choice>
+    <mc:Fallback xmlns="">
+      <p:transition spd="med">
+        <p:fade/>
+      </p:transition>
+    </mc:Fallback>
+  </mc:AlternateContent>
+</p:sld>
+</file>
+
+<file path=ppt/slides/slide15.xml><?xml version="1.0" encoding="utf-8"?>
+<p:sld xmlns:a="http://schemas.openxmlformats.org/drawingml/2006/main" xmlns:r="http://schemas.openxmlformats.org/officeDocument/2006/relationships" xmlns:p="http://schemas.openxmlformats.org/presentationml/2006/main">
+  <p:cSld>
+    <p:spTree>
+      <p:nvGrpSpPr>
+        <p:cNvPr id="1" name=""/>
+        <p:cNvGrpSpPr/>
+        <p:nvPr/>
+      </p:nvGrpSpPr>
+      <p:grpSpPr>
+        <a:xfrm>
+          <a:off x="0" y="0"/>
+          <a:ext cx="0" cy="0"/>
+          <a:chOff x="0" y="0"/>
+          <a:chExt cx="0" cy="0"/>
+        </a:xfrm>
+      </p:grpSpPr>
+      <p:sp>
+        <p:nvSpPr>
+          <p:cNvPr id="4" name="Title 1">
+            <a:extLst>
+              <a:ext uri="{FF2B5EF4-FFF2-40B4-BE49-F238E27FC236}">
+                <a16:creationId xmlns:a16="http://schemas.microsoft.com/office/drawing/2014/main" id="{DB80AC6B-1CF5-4A75-9071-0A36036FA57A}"/>
+              </a:ext>
+            </a:extLst>
+          </p:cNvPr>
+          <p:cNvSpPr txBox="1">
+            <a:spLocks/>
+          </p:cNvSpPr>
+          <p:nvPr/>
+        </p:nvSpPr>
+        <p:spPr>
+          <a:xfrm>
+            <a:off x="775450" y="-173316"/>
+            <a:ext cx="11544886" cy="1143000"/>
+          </a:xfrm>
+          <a:prstGeom prst="rect">
+            <a:avLst/>
+          </a:prstGeom>
+        </p:spPr>
+        <p:txBody>
+          <a:bodyPr vert="horz" anchor="ctr">
+            <a:normAutofit fontScale="90000"/>
+            <a:scene3d>
+              <a:camera prst="orthographicFront"/>
+              <a:lightRig rig="soft" dir="t">
+                <a:rot lat="0" lon="0" rev="16800000"/>
+              </a:lightRig>
+            </a:scene3d>
+            <a:sp3d prstMaterial="softEdge">
+              <a:bevelT w="38100" h="38100"/>
+            </a:sp3d>
+          </a:bodyPr>
+          <a:lstStyle>
+            <a:lvl1pPr algn="ctr" rtl="0" eaLnBrk="1" latinLnBrk="0" hangingPunct="1">
+              <a:spcBef>
+                <a:spcPct val="0"/>
+              </a:spcBef>
+              <a:buNone/>
+              <a:defRPr kumimoji="0" sz="4100" b="1" kern="1200" cap="none" baseline="0">
+                <a:ln w="6350">
+                  <a:noFill/>
+                </a:ln>
+                <a:solidFill>
+                  <a:schemeClr val="accent2"/>
+                </a:solidFill>
+                <a:effectLst>
+                  <a:outerShdw blurRad="114300" dist="101600" dir="2700000" algn="tl" rotWithShape="0">
+                    <a:srgbClr val="000000">
+                      <a:alpha val="40000"/>
+                    </a:srgbClr>
+                  </a:outerShdw>
+                </a:effectLst>
+                <a:latin typeface="+mj-lt"/>
+                <a:ea typeface="+mj-ea"/>
+                <a:cs typeface="+mj-cs"/>
+              </a:defRPr>
+            </a:lvl1pPr>
+          </a:lstStyle>
+          <a:p>
+            <a:r>
+              <a:rPr lang="en-US" dirty="0">
+                <a:solidFill>
+                  <a:srgbClr val="FFFF66"/>
+                </a:solidFill>
+              </a:rPr>
+              <a:t>New York – Deep Dive on Charges – Joint Replacement</a:t>
+            </a:r>
+          </a:p>
+        </p:txBody>
+      </p:sp>
+      <p:pic>
+        <p:nvPicPr>
           <p:cNvPr id="5" name="Picture 4">
             <a:extLst>
               <a:ext uri="{FF2B5EF4-FFF2-40B4-BE49-F238E27FC236}">
@@ -8751,8 +9298,8 @@
         </p:blipFill>
         <p:spPr>
           <a:xfrm>
-            <a:off x="1203158" y="756923"/>
-            <a:ext cx="10213392" cy="7982455"/>
+            <a:off x="2240993" y="728788"/>
+            <a:ext cx="7710014" cy="6025896"/>
           </a:xfrm>
           <a:prstGeom prst="rect">
             <a:avLst/>
@@ -8784,7 +9331,7 @@
 </p:sld>
 </file>
 
-<file path=ppt/slides/slide15.xml><?xml version="1.0" encoding="utf-8"?>
+<file path=ppt/slides/slide16.xml><?xml version="1.0" encoding="utf-8"?>
 <p:sld xmlns:a="http://schemas.openxmlformats.org/drawingml/2006/main" xmlns:r="http://schemas.openxmlformats.org/officeDocument/2006/relationships" xmlns:p="http://schemas.openxmlformats.org/presentationml/2006/main">
   <p:cSld>
     <p:spTree>
@@ -8941,8 +9488,8 @@
         </p:blipFill>
         <p:spPr>
           <a:xfrm>
-            <a:off x="1191752" y="787791"/>
-            <a:ext cx="10495292" cy="9095920"/>
+            <a:off x="2373439" y="787791"/>
+            <a:ext cx="6952957" cy="6025896"/>
           </a:xfrm>
           <a:prstGeom prst="rect">
             <a:avLst/>
@@ -8974,7 +9521,197 @@
 </p:sld>
 </file>
 
-<file path=ppt/slides/slide16.xml><?xml version="1.0" encoding="utf-8"?>
+<file path=ppt/slides/slide17.xml><?xml version="1.0" encoding="utf-8"?>
+<p:sld xmlns:a="http://schemas.openxmlformats.org/drawingml/2006/main" xmlns:r="http://schemas.openxmlformats.org/officeDocument/2006/relationships" xmlns:p="http://schemas.openxmlformats.org/presentationml/2006/main">
+  <p:cSld>
+    <p:spTree>
+      <p:nvGrpSpPr>
+        <p:cNvPr id="1" name=""/>
+        <p:cNvGrpSpPr/>
+        <p:nvPr/>
+      </p:nvGrpSpPr>
+      <p:grpSpPr>
+        <a:xfrm>
+          <a:off x="0" y="0"/>
+          <a:ext cx="0" cy="0"/>
+          <a:chOff x="0" y="0"/>
+          <a:chExt cx="0" cy="0"/>
+        </a:xfrm>
+      </p:grpSpPr>
+      <p:sp>
+        <p:nvSpPr>
+          <p:cNvPr id="3" name="Content Placeholder 2">
+            <a:extLst>
+              <a:ext uri="{FF2B5EF4-FFF2-40B4-BE49-F238E27FC236}">
+                <a16:creationId xmlns:a16="http://schemas.microsoft.com/office/drawing/2014/main" id="{80C1BCAA-CD4B-49E7-9D8B-415B3E66ADF7}"/>
+              </a:ext>
+            </a:extLst>
+          </p:cNvPr>
+          <p:cNvSpPr>
+            <a:spLocks noGrp="1"/>
+          </p:cNvSpPr>
+          <p:nvPr>
+            <p:ph idx="1"/>
+          </p:nvPr>
+        </p:nvSpPr>
+        <p:spPr>
+          <a:xfrm>
+            <a:off x="0" y="787791"/>
+            <a:ext cx="11141612" cy="814008"/>
+          </a:xfrm>
+        </p:spPr>
+        <p:txBody>
+          <a:bodyPr>
+            <a:normAutofit/>
+          </a:bodyPr>
+          <a:lstStyle/>
+          <a:p>
+            <a:r>
+              <a:rPr lang="en-US" sz="2000" dirty="0" err="1"/>
+              <a:t>xyz</a:t>
+            </a:r>
+            <a:endParaRPr lang="en-US" sz="2000" dirty="0"/>
+          </a:p>
+        </p:txBody>
+      </p:sp>
+      <p:sp>
+        <p:nvSpPr>
+          <p:cNvPr id="6" name="Title 1">
+            <a:extLst>
+              <a:ext uri="{FF2B5EF4-FFF2-40B4-BE49-F238E27FC236}">
+                <a16:creationId xmlns:a16="http://schemas.microsoft.com/office/drawing/2014/main" id="{DF0FE77F-4DE4-4E13-BFC9-F9B74C3F8D79}"/>
+              </a:ext>
+            </a:extLst>
+          </p:cNvPr>
+          <p:cNvSpPr txBox="1">
+            <a:spLocks noGrp="1"/>
+          </p:cNvSpPr>
+          <p:nvPr>
+            <p:ph type="title"/>
+          </p:nvPr>
+        </p:nvSpPr>
+        <p:spPr>
+          <a:xfrm>
+            <a:off x="515816" y="-80378"/>
+            <a:ext cx="10435760" cy="814008"/>
+          </a:xfrm>
+          <a:prstGeom prst="rect">
+            <a:avLst/>
+          </a:prstGeom>
+        </p:spPr>
+        <p:txBody>
+          <a:bodyPr vert="horz" anchor="ctr">
+            <a:normAutofit/>
+            <a:scene3d>
+              <a:camera prst="orthographicFront"/>
+              <a:lightRig rig="soft" dir="t">
+                <a:rot lat="0" lon="0" rev="16800000"/>
+              </a:lightRig>
+            </a:scene3d>
+            <a:sp3d prstMaterial="softEdge">
+              <a:bevelT w="38100" h="38100"/>
+            </a:sp3d>
+          </a:bodyPr>
+          <a:lstStyle>
+            <a:lvl1pPr algn="ctr" rtl="0" eaLnBrk="1" latinLnBrk="0" hangingPunct="1">
+              <a:spcBef>
+                <a:spcPct val="0"/>
+              </a:spcBef>
+              <a:buNone/>
+              <a:defRPr kumimoji="0" sz="4100" b="1" kern="1200" cap="none" baseline="0">
+                <a:ln w="6350">
+                  <a:noFill/>
+                </a:ln>
+                <a:solidFill>
+                  <a:schemeClr val="accent2"/>
+                </a:solidFill>
+                <a:effectLst>
+                  <a:outerShdw blurRad="114300" dist="101600" dir="2700000" algn="tl" rotWithShape="0">
+                    <a:srgbClr val="000000">
+                      <a:alpha val="40000"/>
+                    </a:srgbClr>
+                  </a:outerShdw>
+                </a:effectLst>
+                <a:latin typeface="+mj-lt"/>
+                <a:ea typeface="+mj-ea"/>
+                <a:cs typeface="+mj-cs"/>
+              </a:defRPr>
+            </a:lvl1pPr>
+          </a:lstStyle>
+          <a:p>
+            <a:r>
+              <a:rPr lang="en-US" sz="3700" dirty="0">
+                <a:solidFill>
+                  <a:srgbClr val="FFFF66"/>
+                </a:solidFill>
+              </a:rPr>
+              <a:t>New York – Deep Dive on Charges – Diabetes</a:t>
+            </a:r>
+          </a:p>
+        </p:txBody>
+      </p:sp>
+      <p:pic>
+        <p:nvPicPr>
+          <p:cNvPr id="4" name="Picture 3">
+            <a:extLst>
+              <a:ext uri="{FF2B5EF4-FFF2-40B4-BE49-F238E27FC236}">
+                <a16:creationId xmlns:a16="http://schemas.microsoft.com/office/drawing/2014/main" id="{CF5C8917-F209-45C2-B02B-BC43D3A66287}"/>
+              </a:ext>
+            </a:extLst>
+          </p:cNvPr>
+          <p:cNvPicPr>
+            <a:picLocks noChangeAspect="1"/>
+          </p:cNvPicPr>
+          <p:nvPr/>
+        </p:nvPicPr>
+        <p:blipFill>
+          <a:blip r:embed="rId2">
+            <a:extLst>
+              <a:ext uri="{28A0092B-C50C-407E-A947-70E740481C1C}">
+                <a14:useLocalDpi xmlns:a14="http://schemas.microsoft.com/office/drawing/2010/main" val="0"/>
+              </a:ext>
+            </a:extLst>
+          </a:blip>
+          <a:stretch>
+            <a:fillRect/>
+          </a:stretch>
+        </p:blipFill>
+        <p:spPr>
+          <a:xfrm>
+            <a:off x="1627392" y="762070"/>
+            <a:ext cx="8582789" cy="5948219"/>
+          </a:xfrm>
+          <a:prstGeom prst="rect">
+            <a:avLst/>
+          </a:prstGeom>
+        </p:spPr>
+      </p:pic>
+    </p:spTree>
+    <p:extLst>
+      <p:ext uri="{BB962C8B-B14F-4D97-AF65-F5344CB8AC3E}">
+        <p14:creationId xmlns:p14="http://schemas.microsoft.com/office/powerpoint/2010/main" val="3892473285"/>
+      </p:ext>
+    </p:extLst>
+  </p:cSld>
+  <p:clrMapOvr>
+    <a:masterClrMapping/>
+  </p:clrMapOvr>
+  <mc:AlternateContent xmlns:mc="http://schemas.openxmlformats.org/markup-compatibility/2006" xmlns:p14="http://schemas.microsoft.com/office/powerpoint/2010/main">
+    <mc:Choice Requires="p14">
+      <p:transition spd="med" p14:dur="700">
+        <p:fade/>
+      </p:transition>
+    </mc:Choice>
+    <mc:Fallback xmlns="">
+      <p:transition spd="med">
+        <p:fade/>
+      </p:transition>
+    </mc:Fallback>
+  </mc:AlternateContent>
+</p:sld>
+</file>
+
+<file path=ppt/slides/slide18.xml><?xml version="1.0" encoding="utf-8"?>
 <p:sld xmlns:a="http://schemas.openxmlformats.org/drawingml/2006/main" xmlns:r="http://schemas.openxmlformats.org/officeDocument/2006/relationships" xmlns:p="http://schemas.openxmlformats.org/presentationml/2006/main">
   <p:cSld>
     <p:spTree>
@@ -9105,196 +9842,6 @@
       </p:sp>
       <p:pic>
         <p:nvPicPr>
-          <p:cNvPr id="4" name="Picture 3">
-            <a:extLst>
-              <a:ext uri="{FF2B5EF4-FFF2-40B4-BE49-F238E27FC236}">
-                <a16:creationId xmlns:a16="http://schemas.microsoft.com/office/drawing/2014/main" id="{CF5C8917-F209-45C2-B02B-BC43D3A66287}"/>
-              </a:ext>
-            </a:extLst>
-          </p:cNvPr>
-          <p:cNvPicPr>
-            <a:picLocks noChangeAspect="1"/>
-          </p:cNvPicPr>
-          <p:nvPr/>
-        </p:nvPicPr>
-        <p:blipFill>
-          <a:blip r:embed="rId2">
-            <a:extLst>
-              <a:ext uri="{28A0092B-C50C-407E-A947-70E740481C1C}">
-                <a14:useLocalDpi xmlns:a14="http://schemas.microsoft.com/office/drawing/2010/main" val="0"/>
-              </a:ext>
-            </a:extLst>
-          </a:blip>
-          <a:stretch>
-            <a:fillRect/>
-          </a:stretch>
-        </p:blipFill>
-        <p:spPr>
-          <a:xfrm>
-            <a:off x="1191752" y="785379"/>
-            <a:ext cx="10533070" cy="7299842"/>
-          </a:xfrm>
-          <a:prstGeom prst="rect">
-            <a:avLst/>
-          </a:prstGeom>
-        </p:spPr>
-      </p:pic>
-    </p:spTree>
-    <p:extLst>
-      <p:ext uri="{BB962C8B-B14F-4D97-AF65-F5344CB8AC3E}">
-        <p14:creationId xmlns:p14="http://schemas.microsoft.com/office/powerpoint/2010/main" val="3892473285"/>
-      </p:ext>
-    </p:extLst>
-  </p:cSld>
-  <p:clrMapOvr>
-    <a:masterClrMapping/>
-  </p:clrMapOvr>
-  <mc:AlternateContent xmlns:mc="http://schemas.openxmlformats.org/markup-compatibility/2006" xmlns:p14="http://schemas.microsoft.com/office/powerpoint/2010/main">
-    <mc:Choice Requires="p14">
-      <p:transition spd="med" p14:dur="700">
-        <p:fade/>
-      </p:transition>
-    </mc:Choice>
-    <mc:Fallback xmlns="">
-      <p:transition spd="med">
-        <p:fade/>
-      </p:transition>
-    </mc:Fallback>
-  </mc:AlternateContent>
-</p:sld>
-</file>
-
-<file path=ppt/slides/slide17.xml><?xml version="1.0" encoding="utf-8"?>
-<p:sld xmlns:a="http://schemas.openxmlformats.org/drawingml/2006/main" xmlns:r="http://schemas.openxmlformats.org/officeDocument/2006/relationships" xmlns:p="http://schemas.openxmlformats.org/presentationml/2006/main">
-  <p:cSld>
-    <p:spTree>
-      <p:nvGrpSpPr>
-        <p:cNvPr id="1" name=""/>
-        <p:cNvGrpSpPr/>
-        <p:nvPr/>
-      </p:nvGrpSpPr>
-      <p:grpSpPr>
-        <a:xfrm>
-          <a:off x="0" y="0"/>
-          <a:ext cx="0" cy="0"/>
-          <a:chOff x="0" y="0"/>
-          <a:chExt cx="0" cy="0"/>
-        </a:xfrm>
-      </p:grpSpPr>
-      <p:sp>
-        <p:nvSpPr>
-          <p:cNvPr id="3" name="Content Placeholder 2">
-            <a:extLst>
-              <a:ext uri="{FF2B5EF4-FFF2-40B4-BE49-F238E27FC236}">
-                <a16:creationId xmlns:a16="http://schemas.microsoft.com/office/drawing/2014/main" id="{80C1BCAA-CD4B-49E7-9D8B-415B3E66ADF7}"/>
-              </a:ext>
-            </a:extLst>
-          </p:cNvPr>
-          <p:cNvSpPr>
-            <a:spLocks noGrp="1"/>
-          </p:cNvSpPr>
-          <p:nvPr>
-            <p:ph idx="1"/>
-          </p:nvPr>
-        </p:nvSpPr>
-        <p:spPr>
-          <a:xfrm>
-            <a:off x="0" y="787791"/>
-            <a:ext cx="11141612" cy="814008"/>
-          </a:xfrm>
-        </p:spPr>
-        <p:txBody>
-          <a:bodyPr>
-            <a:normAutofit/>
-          </a:bodyPr>
-          <a:lstStyle/>
-          <a:p>
-            <a:r>
-              <a:rPr lang="en-US" sz="2000" dirty="0" err="1"/>
-              <a:t>xyz</a:t>
-            </a:r>
-            <a:endParaRPr lang="en-US" sz="2000" dirty="0"/>
-          </a:p>
-        </p:txBody>
-      </p:sp>
-      <p:sp>
-        <p:nvSpPr>
-          <p:cNvPr id="6" name="Title 1">
-            <a:extLst>
-              <a:ext uri="{FF2B5EF4-FFF2-40B4-BE49-F238E27FC236}">
-                <a16:creationId xmlns:a16="http://schemas.microsoft.com/office/drawing/2014/main" id="{DF0FE77F-4DE4-4E13-BFC9-F9B74C3F8D79}"/>
-              </a:ext>
-            </a:extLst>
-          </p:cNvPr>
-          <p:cNvSpPr txBox="1">
-            <a:spLocks noGrp="1"/>
-          </p:cNvSpPr>
-          <p:nvPr>
-            <p:ph type="title"/>
-          </p:nvPr>
-        </p:nvSpPr>
-        <p:spPr>
-          <a:xfrm>
-            <a:off x="1050388" y="70034"/>
-            <a:ext cx="10435760" cy="814008"/>
-          </a:xfrm>
-          <a:prstGeom prst="rect">
-            <a:avLst/>
-          </a:prstGeom>
-        </p:spPr>
-        <p:txBody>
-          <a:bodyPr vert="horz" anchor="ctr">
-            <a:normAutofit/>
-            <a:scene3d>
-              <a:camera prst="orthographicFront"/>
-              <a:lightRig rig="soft" dir="t">
-                <a:rot lat="0" lon="0" rev="16800000"/>
-              </a:lightRig>
-            </a:scene3d>
-            <a:sp3d prstMaterial="softEdge">
-              <a:bevelT w="38100" h="38100"/>
-            </a:sp3d>
-          </a:bodyPr>
-          <a:lstStyle>
-            <a:lvl1pPr algn="ctr" rtl="0" eaLnBrk="1" latinLnBrk="0" hangingPunct="1">
-              <a:spcBef>
-                <a:spcPct val="0"/>
-              </a:spcBef>
-              <a:buNone/>
-              <a:defRPr kumimoji="0" sz="4100" b="1" kern="1200" cap="none" baseline="0">
-                <a:ln w="6350">
-                  <a:noFill/>
-                </a:ln>
-                <a:solidFill>
-                  <a:schemeClr val="accent2"/>
-                </a:solidFill>
-                <a:effectLst>
-                  <a:outerShdw blurRad="114300" dist="101600" dir="2700000" algn="tl" rotWithShape="0">
-                    <a:srgbClr val="000000">
-                      <a:alpha val="40000"/>
-                    </a:srgbClr>
-                  </a:outerShdw>
-                </a:effectLst>
-                <a:latin typeface="+mj-lt"/>
-                <a:ea typeface="+mj-ea"/>
-                <a:cs typeface="+mj-cs"/>
-              </a:defRPr>
-            </a:lvl1pPr>
-          </a:lstStyle>
-          <a:p>
-            <a:r>
-              <a:rPr lang="en-US" sz="3700" dirty="0">
-                <a:solidFill>
-                  <a:srgbClr val="FFFF66"/>
-                </a:solidFill>
-              </a:rPr>
-              <a:t>New York – Deep Dive on Charges – Diabetes</a:t>
-            </a:r>
-          </a:p>
-        </p:txBody>
-      </p:sp>
-      <p:pic>
-        <p:nvPicPr>
           <p:cNvPr id="5" name="Picture 4">
             <a:extLst>
               <a:ext uri="{FF2B5EF4-FFF2-40B4-BE49-F238E27FC236}">
@@ -9321,8 +9868,8 @@
         </p:blipFill>
         <p:spPr>
           <a:xfrm>
-            <a:off x="1156654" y="737253"/>
-            <a:ext cx="10533070" cy="8650236"/>
+            <a:off x="2427245" y="762070"/>
+            <a:ext cx="7337509" cy="6025896"/>
           </a:xfrm>
           <a:prstGeom prst="rect">
             <a:avLst/>
@@ -9333,117 +9880,6 @@
     <p:extLst>
       <p:ext uri="{BB962C8B-B14F-4D97-AF65-F5344CB8AC3E}">
         <p14:creationId xmlns:p14="http://schemas.microsoft.com/office/powerpoint/2010/main" val="2167824952"/>
-      </p:ext>
-    </p:extLst>
-  </p:cSld>
-  <p:clrMapOvr>
-    <a:masterClrMapping/>
-  </p:clrMapOvr>
-  <mc:AlternateContent xmlns:mc="http://schemas.openxmlformats.org/markup-compatibility/2006" xmlns:p14="http://schemas.microsoft.com/office/powerpoint/2010/main">
-    <mc:Choice Requires="p14">
-      <p:transition spd="med" p14:dur="700">
-        <p:fade/>
-      </p:transition>
-    </mc:Choice>
-    <mc:Fallback xmlns="">
-      <p:transition spd="med">
-        <p:fade/>
-      </p:transition>
-    </mc:Fallback>
-  </mc:AlternateContent>
-</p:sld>
-</file>
-
-<file path=ppt/slides/slide18.xml><?xml version="1.0" encoding="utf-8"?>
-<p:sld xmlns:a="http://schemas.openxmlformats.org/drawingml/2006/main" xmlns:r="http://schemas.openxmlformats.org/officeDocument/2006/relationships" xmlns:p="http://schemas.openxmlformats.org/presentationml/2006/main">
-  <p:cSld>
-    <p:spTree>
-      <p:nvGrpSpPr>
-        <p:cNvPr id="1" name=""/>
-        <p:cNvGrpSpPr/>
-        <p:nvPr/>
-      </p:nvGrpSpPr>
-      <p:grpSpPr>
-        <a:xfrm>
-          <a:off x="0" y="0"/>
-          <a:ext cx="0" cy="0"/>
-          <a:chOff x="0" y="0"/>
-          <a:chExt cx="0" cy="0"/>
-        </a:xfrm>
-      </p:grpSpPr>
-      <p:sp>
-        <p:nvSpPr>
-          <p:cNvPr id="2" name="Title 1"/>
-          <p:cNvSpPr>
-            <a:spLocks noGrp="1"/>
-          </p:cNvSpPr>
-          <p:nvPr>
-            <p:ph type="title"/>
-          </p:nvPr>
-        </p:nvSpPr>
-        <p:spPr>
-          <a:xfrm>
-            <a:off x="429575" y="-165295"/>
-            <a:ext cx="11544886" cy="1143000"/>
-          </a:xfrm>
-        </p:spPr>
-        <p:txBody>
-          <a:bodyPr>
-            <a:normAutofit/>
-          </a:bodyPr>
-          <a:lstStyle/>
-          <a:p>
-            <a:r>
-              <a:rPr lang="en-US" dirty="0">
-                <a:solidFill>
-                  <a:srgbClr val="FFFF66"/>
-                </a:solidFill>
-              </a:rPr>
-              <a:t>Brandon - Other</a:t>
-            </a:r>
-          </a:p>
-        </p:txBody>
-      </p:sp>
-      <p:sp>
-        <p:nvSpPr>
-          <p:cNvPr id="3" name="Content Placeholder 2">
-            <a:extLst>
-              <a:ext uri="{FF2B5EF4-FFF2-40B4-BE49-F238E27FC236}">
-                <a16:creationId xmlns:a16="http://schemas.microsoft.com/office/drawing/2014/main" id="{80C1BCAA-CD4B-49E7-9D8B-415B3E66ADF7}"/>
-              </a:ext>
-            </a:extLst>
-          </p:cNvPr>
-          <p:cNvSpPr>
-            <a:spLocks noGrp="1"/>
-          </p:cNvSpPr>
-          <p:nvPr>
-            <p:ph idx="1"/>
-          </p:nvPr>
-        </p:nvSpPr>
-        <p:spPr>
-          <a:xfrm>
-            <a:off x="0" y="787791"/>
-            <a:ext cx="11141612" cy="814008"/>
-          </a:xfrm>
-        </p:spPr>
-        <p:txBody>
-          <a:bodyPr>
-            <a:normAutofit/>
-          </a:bodyPr>
-          <a:lstStyle/>
-          <a:p>
-            <a:r>
-              <a:rPr lang="en-US" sz="2000" dirty="0" err="1"/>
-              <a:t>xyz</a:t>
-            </a:r>
-            <a:endParaRPr lang="en-US" sz="2000" dirty="0"/>
-          </a:p>
-        </p:txBody>
-      </p:sp>
-    </p:spTree>
-    <p:extLst>
-      <p:ext uri="{BB962C8B-B14F-4D97-AF65-F5344CB8AC3E}">
-        <p14:creationId xmlns:p14="http://schemas.microsoft.com/office/powerpoint/2010/main" val="3166318659"/>
       </p:ext>
     </p:extLst>
   </p:cSld>
@@ -9510,15 +9946,51 @@
                   <a:srgbClr val="FFFF66"/>
                 </a:solidFill>
               </a:rPr>
-              <a:t>Tyler – CA</a:t>
-            </a:r>
+              <a:t>Brandon - Other</a:t>
+            </a:r>
+          </a:p>
+        </p:txBody>
+      </p:sp>
+      <p:sp>
+        <p:nvSpPr>
+          <p:cNvPr id="3" name="Content Placeholder 2">
+            <a:extLst>
+              <a:ext uri="{FF2B5EF4-FFF2-40B4-BE49-F238E27FC236}">
+                <a16:creationId xmlns:a16="http://schemas.microsoft.com/office/drawing/2014/main" id="{80C1BCAA-CD4B-49E7-9D8B-415B3E66ADF7}"/>
+              </a:ext>
+            </a:extLst>
+          </p:cNvPr>
+          <p:cNvSpPr>
+            <a:spLocks noGrp="1"/>
+          </p:cNvSpPr>
+          <p:nvPr>
+            <p:ph idx="1"/>
+          </p:nvPr>
+        </p:nvSpPr>
+        <p:spPr>
+          <a:xfrm>
+            <a:off x="0" y="787791"/>
+            <a:ext cx="11141612" cy="814008"/>
+          </a:xfrm>
+        </p:spPr>
+        <p:txBody>
+          <a:bodyPr>
+            <a:normAutofit/>
+          </a:bodyPr>
+          <a:lstStyle/>
+          <a:p>
+            <a:r>
+              <a:rPr lang="en-US" sz="2000" dirty="0" err="1"/>
+              <a:t>xyz</a:t>
+            </a:r>
+            <a:endParaRPr lang="en-US" sz="2000" dirty="0"/>
           </a:p>
         </p:txBody>
       </p:sp>
     </p:spTree>
     <p:extLst>
       <p:ext uri="{BB962C8B-B14F-4D97-AF65-F5344CB8AC3E}">
-        <p14:creationId xmlns:p14="http://schemas.microsoft.com/office/powerpoint/2010/main" val="3513806004"/>
+        <p14:creationId xmlns:p14="http://schemas.microsoft.com/office/powerpoint/2010/main" val="3166318659"/>
       </p:ext>
     </p:extLst>
   </p:cSld>
@@ -9664,7 +10136,7 @@
             <a:pPr lvl="1"/>
             <a:r>
               <a:rPr lang="en-US" dirty="0"/>
-              <a:t>Compare with other data from Census, </a:t>
+              <a:t>Compare with other data from  </a:t>
             </a:r>
             <a:r>
               <a:rPr lang="en-US" dirty="0">
@@ -9778,51 +10250,15 @@
                   <a:srgbClr val="FFFF66"/>
                 </a:solidFill>
               </a:rPr>
-              <a:t>Tyler – Ranking, customer satisfaction</a:t>
-            </a:r>
-          </a:p>
-        </p:txBody>
-      </p:sp>
-      <p:sp>
-        <p:nvSpPr>
-          <p:cNvPr id="3" name="Content Placeholder 2">
-            <a:extLst>
-              <a:ext uri="{FF2B5EF4-FFF2-40B4-BE49-F238E27FC236}">
-                <a16:creationId xmlns:a16="http://schemas.microsoft.com/office/drawing/2014/main" id="{80C1BCAA-CD4B-49E7-9D8B-415B3E66ADF7}"/>
-              </a:ext>
-            </a:extLst>
-          </p:cNvPr>
-          <p:cNvSpPr>
-            <a:spLocks noGrp="1"/>
-          </p:cNvSpPr>
-          <p:nvPr>
-            <p:ph idx="1"/>
-          </p:nvPr>
-        </p:nvSpPr>
-        <p:spPr>
-          <a:xfrm>
-            <a:off x="0" y="787791"/>
-            <a:ext cx="11141612" cy="814008"/>
-          </a:xfrm>
-        </p:spPr>
-        <p:txBody>
-          <a:bodyPr>
-            <a:normAutofit/>
-          </a:bodyPr>
-          <a:lstStyle/>
-          <a:p>
-            <a:r>
-              <a:rPr lang="en-US" sz="2000" dirty="0" err="1"/>
-              <a:t>xyz</a:t>
-            </a:r>
-            <a:endParaRPr lang="en-US" sz="2000" dirty="0"/>
+              <a:t>Tyler – CA</a:t>
+            </a:r>
           </a:p>
         </p:txBody>
       </p:sp>
     </p:spTree>
     <p:extLst>
       <p:ext uri="{BB962C8B-B14F-4D97-AF65-F5344CB8AC3E}">
-        <p14:creationId xmlns:p14="http://schemas.microsoft.com/office/powerpoint/2010/main" val="4197427627"/>
+        <p14:creationId xmlns:p14="http://schemas.microsoft.com/office/powerpoint/2010/main" val="3513806004"/>
       </p:ext>
     </p:extLst>
   </p:cSld>
@@ -9889,7 +10325,7 @@
                   <a:srgbClr val="FFFF66"/>
                 </a:solidFill>
               </a:rPr>
-              <a:t>Tyler – Hypothesis Testing</a:t>
+              <a:t>Tyler – Ranking, customer satisfaction</a:t>
             </a:r>
           </a:p>
         </p:txBody>
@@ -9933,7 +10369,7 @@
     </p:spTree>
     <p:extLst>
       <p:ext uri="{BB962C8B-B14F-4D97-AF65-F5344CB8AC3E}">
-        <p14:creationId xmlns:p14="http://schemas.microsoft.com/office/powerpoint/2010/main" val="3140958020"/>
+        <p14:creationId xmlns:p14="http://schemas.microsoft.com/office/powerpoint/2010/main" val="4197427627"/>
       </p:ext>
     </p:extLst>
   </p:cSld>
@@ -10000,7 +10436,7 @@
                   <a:srgbClr val="FFFF66"/>
                 </a:solidFill>
               </a:rPr>
-              <a:t>Summary</a:t>
+              <a:t>Tyler – Hypothesis Testing</a:t>
             </a:r>
           </a:p>
         </p:txBody>
@@ -10044,6 +10480,117 @@
     </p:spTree>
     <p:extLst>
       <p:ext uri="{BB962C8B-B14F-4D97-AF65-F5344CB8AC3E}">
+        <p14:creationId xmlns:p14="http://schemas.microsoft.com/office/powerpoint/2010/main" val="3140958020"/>
+      </p:ext>
+    </p:extLst>
+  </p:cSld>
+  <p:clrMapOvr>
+    <a:masterClrMapping/>
+  </p:clrMapOvr>
+  <mc:AlternateContent xmlns:mc="http://schemas.openxmlformats.org/markup-compatibility/2006" xmlns:p14="http://schemas.microsoft.com/office/powerpoint/2010/main">
+    <mc:Choice Requires="p14">
+      <p:transition spd="med" p14:dur="700">
+        <p:fade/>
+      </p:transition>
+    </mc:Choice>
+    <mc:Fallback xmlns="">
+      <p:transition spd="med">
+        <p:fade/>
+      </p:transition>
+    </mc:Fallback>
+  </mc:AlternateContent>
+</p:sld>
+</file>
+
+<file path=ppt/slides/slide23.xml><?xml version="1.0" encoding="utf-8"?>
+<p:sld xmlns:a="http://schemas.openxmlformats.org/drawingml/2006/main" xmlns:r="http://schemas.openxmlformats.org/officeDocument/2006/relationships" xmlns:p="http://schemas.openxmlformats.org/presentationml/2006/main">
+  <p:cSld>
+    <p:spTree>
+      <p:nvGrpSpPr>
+        <p:cNvPr id="1" name=""/>
+        <p:cNvGrpSpPr/>
+        <p:nvPr/>
+      </p:nvGrpSpPr>
+      <p:grpSpPr>
+        <a:xfrm>
+          <a:off x="0" y="0"/>
+          <a:ext cx="0" cy="0"/>
+          <a:chOff x="0" y="0"/>
+          <a:chExt cx="0" cy="0"/>
+        </a:xfrm>
+      </p:grpSpPr>
+      <p:sp>
+        <p:nvSpPr>
+          <p:cNvPr id="2" name="Title 1"/>
+          <p:cNvSpPr>
+            <a:spLocks noGrp="1"/>
+          </p:cNvSpPr>
+          <p:nvPr>
+            <p:ph type="title"/>
+          </p:nvPr>
+        </p:nvSpPr>
+        <p:spPr>
+          <a:xfrm>
+            <a:off x="429575" y="-165295"/>
+            <a:ext cx="11544886" cy="1143000"/>
+          </a:xfrm>
+        </p:spPr>
+        <p:txBody>
+          <a:bodyPr>
+            <a:normAutofit/>
+          </a:bodyPr>
+          <a:lstStyle/>
+          <a:p>
+            <a:r>
+              <a:rPr lang="en-US" dirty="0">
+                <a:solidFill>
+                  <a:srgbClr val="FFFF66"/>
+                </a:solidFill>
+              </a:rPr>
+              <a:t>Summary</a:t>
+            </a:r>
+          </a:p>
+        </p:txBody>
+      </p:sp>
+      <p:sp>
+        <p:nvSpPr>
+          <p:cNvPr id="3" name="Content Placeholder 2">
+            <a:extLst>
+              <a:ext uri="{FF2B5EF4-FFF2-40B4-BE49-F238E27FC236}">
+                <a16:creationId xmlns:a16="http://schemas.microsoft.com/office/drawing/2014/main" id="{80C1BCAA-CD4B-49E7-9D8B-415B3E66ADF7}"/>
+              </a:ext>
+            </a:extLst>
+          </p:cNvPr>
+          <p:cNvSpPr>
+            <a:spLocks noGrp="1"/>
+          </p:cNvSpPr>
+          <p:nvPr>
+            <p:ph idx="1"/>
+          </p:nvPr>
+        </p:nvSpPr>
+        <p:spPr>
+          <a:xfrm>
+            <a:off x="0" y="787791"/>
+            <a:ext cx="11141612" cy="814008"/>
+          </a:xfrm>
+        </p:spPr>
+        <p:txBody>
+          <a:bodyPr>
+            <a:normAutofit/>
+          </a:bodyPr>
+          <a:lstStyle/>
+          <a:p>
+            <a:r>
+              <a:rPr lang="en-US" sz="2000" dirty="0" err="1"/>
+              <a:t>xyz</a:t>
+            </a:r>
+            <a:endParaRPr lang="en-US" sz="2000" dirty="0"/>
+          </a:p>
+        </p:txBody>
+      </p:sp>
+    </p:spTree>
+    <p:extLst>
+      <p:ext uri="{BB962C8B-B14F-4D97-AF65-F5344CB8AC3E}">
         <p14:creationId xmlns:p14="http://schemas.microsoft.com/office/powerpoint/2010/main" val="3996608954"/>
       </p:ext>
     </p:extLst>
@@ -10066,7 +10613,7 @@
 </p:sld>
 </file>
 
-<file path=ppt/slides/slide23.xml><?xml version="1.0" encoding="utf-8"?>
+<file path=ppt/slides/slide24.xml><?xml version="1.0" encoding="utf-8"?>
 <p:sld xmlns:a="http://schemas.openxmlformats.org/drawingml/2006/main" xmlns:r="http://schemas.openxmlformats.org/officeDocument/2006/relationships" xmlns:p="http://schemas.openxmlformats.org/presentationml/2006/main">
   <p:cSld>
     <p:spTree>
@@ -11513,7 +12060,7 @@
         </p:blipFill>
         <p:spPr>
           <a:xfrm>
-            <a:off x="2197122" y="2583454"/>
+            <a:off x="2197122" y="2838932"/>
             <a:ext cx="7797755" cy="3891409"/>
           </a:xfrm>
         </p:spPr>
@@ -11548,7 +12095,7 @@
                 </a:solidFill>
                 <a:effectLst/>
               </a:rPr>
-              <a:t>Hypothesis 1: There is a significant different between population and medical procedure cost.</a:t>
+              <a:t>Hypothesis 1: There is a significant difference between population and medical procedure cost.</a:t>
             </a:r>
             <a:endParaRPr lang="en-US" dirty="0"/>
           </a:p>
@@ -11568,8 +12115,8 @@
         </p:nvSpPr>
         <p:spPr>
           <a:xfrm>
-            <a:off x="2004974" y="1538881"/>
-            <a:ext cx="7989903" cy="923330"/>
+            <a:off x="437321" y="1474767"/>
+            <a:ext cx="10853529" cy="1200329"/>
           </a:xfrm>
           <a:prstGeom prst="rect">
             <a:avLst/>
@@ -11587,8 +12134,18 @@
               <a:buChar char="•"/>
             </a:pPr>
             <a:r>
-              <a:rPr lang="en-US" dirty="0"/>
-              <a:t>Looking at the USA as a whole, population count does not correlate with the cost of Hip/Knee replacement procedures.  However, looking at specific states tells a different story.</a:t>
+              <a:rPr lang="en-US" sz="2400" dirty="0"/>
+              <a:t>Looking at the USA, population count does not correlate with the cost of Hip/Knee replacement procedures.  </a:t>
+            </a:r>
+          </a:p>
+          <a:p>
+            <a:pPr marL="285750" indent="-285750">
+              <a:buFont typeface="Arial" panose="020B0604020202020204" pitchFamily="34" charset="0"/>
+              <a:buChar char="•"/>
+            </a:pPr>
+            <a:r>
+              <a:rPr lang="en-US" sz="2400" dirty="0"/>
+              <a:t>However, looking at specific states tells a different story.</a:t>
             </a:r>
           </a:p>
         </p:txBody>
@@ -11665,7 +12222,7 @@
                 </a:solidFill>
                 <a:effectLst/>
               </a:rPr>
-              <a:t>Hypothesis 1: There is a significant different between population and medical procedure cost.</a:t>
+              <a:t>Hypothesis 1: There is a significant difference between population and medical procedure cost.</a:t>
             </a:r>
           </a:p>
         </p:txBody>
@@ -11798,22 +12355,30 @@
         </p:nvSpPr>
         <p:spPr>
           <a:xfrm>
-            <a:off x="609600" y="0"/>
-            <a:ext cx="10972800" cy="1143000"/>
+            <a:off x="404191" y="-1"/>
+            <a:ext cx="11570371" cy="1287481"/>
           </a:xfrm>
         </p:spPr>
         <p:txBody>
-          <a:bodyPr/>
+          <a:bodyPr>
+            <a:normAutofit fontScale="90000"/>
+          </a:bodyPr>
           <a:lstStyle/>
           <a:p>
             <a:r>
               <a:rPr lang="en-US" dirty="0">
                 <a:solidFill>
-                  <a:srgbClr val="FFFF66"/>
+                  <a:srgbClr val="FFFF00"/>
                 </a:solidFill>
+                <a:effectLst/>
               </a:rPr>
-              <a:t>‘List Price’ vs. Census Demographics</a:t>
-            </a:r>
+              <a:t>Hypothesis 1a: There is a significant difference between population(density) and medical procedure cost.</a:t>
+            </a:r>
+            <a:endParaRPr lang="en-US" dirty="0">
+              <a:solidFill>
+                <a:srgbClr val="FFFF66"/>
+              </a:solidFill>
+            </a:endParaRPr>
           </a:p>
         </p:txBody>
       </p:sp>
@@ -11835,95 +12400,395 @@
         </p:nvSpPr>
         <p:spPr>
           <a:xfrm>
-            <a:off x="12029" y="1333232"/>
-            <a:ext cx="11570371" cy="506896"/>
+            <a:off x="12028" y="1284937"/>
+            <a:ext cx="11570371" cy="769441"/>
           </a:xfrm>
         </p:spPr>
         <p:txBody>
           <a:bodyPr>
-            <a:normAutofit lnSpcReduction="10000"/>
+            <a:normAutofit fontScale="55000" lnSpcReduction="20000"/>
           </a:bodyPr>
           <a:lstStyle/>
           <a:p>
             <a:r>
               <a:rPr lang="en-US" dirty="0"/>
-              <a:t>No obvious ‘List Price’ correlation with Poverty Rate or Per Capita Income</a:t>
+              <a:t>Examining Mississippi – The statistics </a:t>
+            </a:r>
+            <a:r>
+              <a:rPr lang="en-US" b="1" u="sng" dirty="0"/>
+              <a:t>fail </a:t>
+            </a:r>
+            <a:r>
+              <a:rPr lang="en-US" dirty="0"/>
+              <a:t>to prove the hypothesis. </a:t>
+            </a:r>
+          </a:p>
+          <a:p>
+            <a:r>
+              <a:rPr lang="en-US" dirty="0"/>
+              <a:t>T-Test: The groups are not correlated as evidenced by high-T magnitude with good confidence (very low p-value)</a:t>
+            </a:r>
+          </a:p>
+          <a:p>
+            <a:r>
+              <a:rPr lang="en-US" dirty="0"/>
+              <a:t>Linear Regression: high p-value and low R^2 indicate bad fit. Polynomial fit not good</a:t>
             </a:r>
           </a:p>
         </p:txBody>
       </p:sp>
-      <p:pic>
-        <p:nvPicPr>
-          <p:cNvPr id="7" name="Picture 6" descr="A screenshot of a cell phone&#10;&#10;Description automatically generated">
+      <p:grpSp>
+        <p:nvGrpSpPr>
+          <p:cNvPr id="13" name="Group 12">
             <a:extLst>
               <a:ext uri="{FF2B5EF4-FFF2-40B4-BE49-F238E27FC236}">
-                <a16:creationId xmlns:a16="http://schemas.microsoft.com/office/drawing/2014/main" id="{C36AB24E-7222-4C06-99A7-9168C97FF96C}"/>
+                <a16:creationId xmlns:a16="http://schemas.microsoft.com/office/drawing/2014/main" id="{08237700-3102-4724-AB64-B34D5CFB56F8}"/>
               </a:ext>
             </a:extLst>
           </p:cNvPr>
-          <p:cNvPicPr>
-            <a:picLocks noChangeAspect="1"/>
-          </p:cNvPicPr>
+          <p:cNvGrpSpPr/>
           <p:nvPr/>
-        </p:nvPicPr>
-        <p:blipFill>
-          <a:blip r:embed="rId2">
-            <a:extLst>
-              <a:ext uri="{28A0092B-C50C-407E-A947-70E740481C1C}">
-                <a14:useLocalDpi xmlns:a14="http://schemas.microsoft.com/office/drawing/2010/main" val="0"/>
-              </a:ext>
-            </a:extLst>
-          </a:blip>
-          <a:stretch>
-            <a:fillRect/>
-          </a:stretch>
-        </p:blipFill>
-        <p:spPr>
+        </p:nvGrpSpPr>
+        <p:grpSpPr>
           <a:xfrm>
-            <a:off x="383893" y="2260964"/>
-            <a:ext cx="5487650" cy="3658433"/>
+            <a:off x="6300158" y="2148423"/>
+            <a:ext cx="5488964" cy="4427874"/>
+            <a:chOff x="6300158" y="2148423"/>
+            <a:chExt cx="5488964" cy="4427874"/>
           </a:xfrm>
-          <a:prstGeom prst="rect">
-            <a:avLst/>
-          </a:prstGeom>
-        </p:spPr>
-      </p:pic>
-      <p:pic>
-        <p:nvPicPr>
-          <p:cNvPr id="9" name="Picture 8" descr="A screenshot of a cell phone&#10;&#10;Description automatically generated">
+        </p:grpSpPr>
+        <p:pic>
+          <p:nvPicPr>
+            <p:cNvPr id="8" name="Picture 7" descr="A screenshot of a cell phone&#10;&#10;Description automatically generated">
+              <a:extLst>
+                <a:ext uri="{FF2B5EF4-FFF2-40B4-BE49-F238E27FC236}">
+                  <a16:creationId xmlns:a16="http://schemas.microsoft.com/office/drawing/2014/main" id="{F12F32C6-3B6B-4463-B9FC-73E7D30C4DD1}"/>
+                </a:ext>
+              </a:extLst>
+            </p:cNvPr>
+            <p:cNvPicPr>
+              <a:picLocks noChangeAspect="1"/>
+            </p:cNvPicPr>
+            <p:nvPr/>
+          </p:nvPicPr>
+          <p:blipFill>
+            <a:blip r:embed="rId2">
+              <a:extLst>
+                <a:ext uri="{28A0092B-C50C-407E-A947-70E740481C1C}">
+                  <a14:useLocalDpi xmlns:a14="http://schemas.microsoft.com/office/drawing/2010/main" val="0"/>
+                </a:ext>
+              </a:extLst>
+            </a:blip>
+            <a:stretch>
+              <a:fillRect/>
+            </a:stretch>
+          </p:blipFill>
+          <p:spPr>
+            <a:xfrm>
+              <a:off x="6300158" y="2148423"/>
+              <a:ext cx="5487650" cy="3658433"/>
+            </a:xfrm>
+            <a:prstGeom prst="rect">
+              <a:avLst/>
+            </a:prstGeom>
+          </p:spPr>
+        </p:pic>
+        <p:sp>
+          <p:nvSpPr>
+            <p:cNvPr id="10" name="TextBox 9">
+              <a:extLst>
+                <a:ext uri="{FF2B5EF4-FFF2-40B4-BE49-F238E27FC236}">
+                  <a16:creationId xmlns:a16="http://schemas.microsoft.com/office/drawing/2014/main" id="{A850DBD7-271D-4A7C-82BC-838169624B84}"/>
+                </a:ext>
+              </a:extLst>
+            </p:cNvPr>
+            <p:cNvSpPr txBox="1"/>
+            <p:nvPr/>
+          </p:nvSpPr>
+          <p:spPr>
+            <a:xfrm>
+              <a:off x="6300158" y="5806856"/>
+              <a:ext cx="5488964" cy="769441"/>
+            </a:xfrm>
+            <a:prstGeom prst="rect">
+              <a:avLst/>
+            </a:prstGeom>
+            <a:solidFill>
+              <a:schemeClr val="tx1"/>
+            </a:solidFill>
+          </p:spPr>
+          <p:txBody>
+            <a:bodyPr wrap="square" rtlCol="0">
+              <a:spAutoFit/>
+            </a:bodyPr>
+            <a:lstStyle/>
+            <a:p>
+              <a:r>
+                <a:rPr lang="en-US" sz="1100" dirty="0">
+                  <a:solidFill>
+                    <a:schemeClr val="tx2">
+                      <a:lumMod val="10000"/>
+                    </a:schemeClr>
+                  </a:solidFill>
+                </a:rPr>
+                <a:t>T-Test: T-Value = -7.330113910577341, </a:t>
+              </a:r>
+              <a:r>
+                <a:rPr lang="en-US" sz="1100" dirty="0" err="1">
+                  <a:solidFill>
+                    <a:schemeClr val="tx2">
+                      <a:lumMod val="10000"/>
+                    </a:schemeClr>
+                  </a:solidFill>
+                </a:rPr>
+                <a:t>pvalue</a:t>
+              </a:r>
+              <a:r>
+                <a:rPr lang="en-US" sz="1100" dirty="0">
+                  <a:solidFill>
+                    <a:schemeClr val="tx2">
+                      <a:lumMod val="10000"/>
+                    </a:schemeClr>
+                  </a:solidFill>
+                </a:rPr>
+                <a:t> = 2.4202410480315282e-06</a:t>
+              </a:r>
+            </a:p>
+            <a:p>
+              <a:r>
+                <a:rPr lang="en-US" sz="1100" dirty="0">
+                  <a:solidFill>
+                    <a:schemeClr val="tx2">
+                      <a:lumMod val="10000"/>
+                    </a:schemeClr>
+                  </a:solidFill>
+                </a:rPr>
+                <a:t>Linear Regression: Slope = 2.387899055961176, Intercept = 25168.00982295613, </a:t>
+              </a:r>
+            </a:p>
+            <a:p>
+              <a:r>
+                <a:rPr lang="en-US" sz="1100" dirty="0">
+                  <a:solidFill>
+                    <a:schemeClr val="tx2">
+                      <a:lumMod val="10000"/>
+                    </a:schemeClr>
+                  </a:solidFill>
+                </a:rPr>
+                <a:t>	     </a:t>
+              </a:r>
+              <a:r>
+                <a:rPr lang="en-US" sz="1100" dirty="0" err="1">
+                  <a:solidFill>
+                    <a:schemeClr val="tx2">
+                      <a:lumMod val="10000"/>
+                    </a:schemeClr>
+                  </a:solidFill>
+                </a:rPr>
+                <a:t>Pvalue</a:t>
+              </a:r>
+              <a:r>
+                <a:rPr lang="en-US" sz="1100" dirty="0">
+                  <a:solidFill>
+                    <a:schemeClr val="tx2">
+                      <a:lumMod val="10000"/>
+                    </a:schemeClr>
+                  </a:solidFill>
+                </a:rPr>
+                <a:t> = 0.6779137724186564, R^2=0.012686186738626407</a:t>
+              </a:r>
+            </a:p>
+            <a:p>
+              <a:r>
+                <a:rPr lang="en-US" sz="1100" dirty="0">
+                  <a:solidFill>
+                    <a:schemeClr val="tx2">
+                      <a:lumMod val="10000"/>
+                    </a:schemeClr>
+                  </a:solidFill>
+                </a:rPr>
+                <a:t>Polynomial Regression:   -3.707e-08 x ^4+ 0.0001527 x^3 - 0.1875 x ^2+ 75.04 x + 1.955e+04</a:t>
+              </a:r>
+            </a:p>
+          </p:txBody>
+        </p:sp>
+      </p:grpSp>
+      <p:grpSp>
+        <p:nvGrpSpPr>
+          <p:cNvPr id="14" name="Group 13">
             <a:extLst>
               <a:ext uri="{FF2B5EF4-FFF2-40B4-BE49-F238E27FC236}">
-                <a16:creationId xmlns:a16="http://schemas.microsoft.com/office/drawing/2014/main" id="{6F2A6091-FA64-4295-8E83-8F04149CA874}"/>
+                <a16:creationId xmlns:a16="http://schemas.microsoft.com/office/drawing/2014/main" id="{C80B5D75-1A09-4F51-9EBD-0095D3BCD201}"/>
               </a:ext>
             </a:extLst>
           </p:cNvPr>
-          <p:cNvPicPr>
-            <a:picLocks noChangeAspect="1"/>
-          </p:cNvPicPr>
+          <p:cNvGrpSpPr/>
           <p:nvPr/>
-        </p:nvPicPr>
-        <p:blipFill>
-          <a:blip r:embed="rId3">
-            <a:extLst>
-              <a:ext uri="{28A0092B-C50C-407E-A947-70E740481C1C}">
-                <a14:useLocalDpi xmlns:a14="http://schemas.microsoft.com/office/drawing/2010/main" val="0"/>
-              </a:ext>
-            </a:extLst>
-          </a:blip>
-          <a:stretch>
-            <a:fillRect/>
-          </a:stretch>
-        </p:blipFill>
-        <p:spPr>
+        </p:nvGrpSpPr>
+        <p:grpSpPr>
           <a:xfrm>
-            <a:off x="6320458" y="2260964"/>
-            <a:ext cx="5487650" cy="3658433"/>
+            <a:off x="309564" y="2148423"/>
+            <a:ext cx="5487650" cy="4428290"/>
+            <a:chOff x="309564" y="2148423"/>
+            <a:chExt cx="5487650" cy="4428290"/>
           </a:xfrm>
-          <a:prstGeom prst="rect">
-            <a:avLst/>
-          </a:prstGeom>
-        </p:spPr>
-      </p:pic>
+        </p:grpSpPr>
+        <p:pic>
+          <p:nvPicPr>
+            <p:cNvPr id="5" name="Picture 4" descr="A screenshot of a cell phone&#10;&#10;Description automatically generated">
+              <a:extLst>
+                <a:ext uri="{FF2B5EF4-FFF2-40B4-BE49-F238E27FC236}">
+                  <a16:creationId xmlns:a16="http://schemas.microsoft.com/office/drawing/2014/main" id="{653FAD42-04CB-4AF9-A1BF-AC12BFA4C94F}"/>
+                </a:ext>
+              </a:extLst>
+            </p:cNvPr>
+            <p:cNvPicPr>
+              <a:picLocks noChangeAspect="1"/>
+            </p:cNvPicPr>
+            <p:nvPr/>
+          </p:nvPicPr>
+          <p:blipFill>
+            <a:blip r:embed="rId3">
+              <a:extLst>
+                <a:ext uri="{28A0092B-C50C-407E-A947-70E740481C1C}">
+                  <a14:useLocalDpi xmlns:a14="http://schemas.microsoft.com/office/drawing/2010/main" val="0"/>
+                </a:ext>
+              </a:extLst>
+            </a:blip>
+            <a:stretch>
+              <a:fillRect/>
+            </a:stretch>
+          </p:blipFill>
+          <p:spPr>
+            <a:xfrm>
+              <a:off x="309564" y="2148423"/>
+              <a:ext cx="5487650" cy="3658433"/>
+            </a:xfrm>
+            <a:prstGeom prst="rect">
+              <a:avLst/>
+            </a:prstGeom>
+          </p:spPr>
+        </p:pic>
+        <p:sp>
+          <p:nvSpPr>
+            <p:cNvPr id="11" name="TextBox 10">
+              <a:extLst>
+                <a:ext uri="{FF2B5EF4-FFF2-40B4-BE49-F238E27FC236}">
+                  <a16:creationId xmlns:a16="http://schemas.microsoft.com/office/drawing/2014/main" id="{F5635036-439F-480E-9C24-8F89F70B2F04}"/>
+                </a:ext>
+              </a:extLst>
+            </p:cNvPr>
+            <p:cNvSpPr txBox="1"/>
+            <p:nvPr/>
+          </p:nvSpPr>
+          <p:spPr>
+            <a:xfrm>
+              <a:off x="309832" y="5807272"/>
+              <a:ext cx="5487382" cy="769441"/>
+            </a:xfrm>
+            <a:prstGeom prst="rect">
+              <a:avLst/>
+            </a:prstGeom>
+            <a:solidFill>
+              <a:schemeClr val="tx1"/>
+            </a:solidFill>
+          </p:spPr>
+          <p:txBody>
+            <a:bodyPr wrap="square" rtlCol="0">
+              <a:spAutoFit/>
+            </a:bodyPr>
+            <a:lstStyle/>
+            <a:p>
+              <a:r>
+                <a:rPr lang="en-US" sz="1100" dirty="0">
+                  <a:solidFill>
+                    <a:schemeClr val="tx2">
+                      <a:lumMod val="10000"/>
+                    </a:schemeClr>
+                  </a:solidFill>
+                </a:rPr>
+                <a:t>T-Test: T-Value = -8.435976191821668, </a:t>
+              </a:r>
+              <a:r>
+                <a:rPr lang="en-US" sz="1100" dirty="0" err="1">
+                  <a:solidFill>
+                    <a:schemeClr val="tx2">
+                      <a:lumMod val="10000"/>
+                    </a:schemeClr>
+                  </a:solidFill>
+                </a:rPr>
+                <a:t>pvalue</a:t>
+              </a:r>
+              <a:r>
+                <a:rPr lang="en-US" sz="1100" dirty="0">
+                  <a:solidFill>
+                    <a:schemeClr val="tx2">
+                      <a:lumMod val="10000"/>
+                    </a:schemeClr>
+                  </a:solidFill>
+                </a:rPr>
+                <a:t> = 2.4096964561007347e-08</a:t>
+              </a:r>
+            </a:p>
+            <a:p>
+              <a:r>
+                <a:rPr lang="en-US" sz="1100" dirty="0">
+                  <a:solidFill>
+                    <a:schemeClr val="tx2">
+                      <a:lumMod val="10000"/>
+                    </a:schemeClr>
+                  </a:solidFill>
+                </a:rPr>
+                <a:t>Linear Regression: Slope = 2.8376244389968734, Intercept = 65167.56099879802, </a:t>
+              </a:r>
+            </a:p>
+            <a:p>
+              <a:r>
+                <a:rPr lang="en-US" sz="1100" dirty="0">
+                  <a:solidFill>
+                    <a:schemeClr val="tx2">
+                      <a:lumMod val="10000"/>
+                    </a:schemeClr>
+                  </a:solidFill>
+                </a:rPr>
+                <a:t>	     </a:t>
+              </a:r>
+              <a:r>
+                <a:rPr lang="en-US" sz="1100" dirty="0" err="1">
+                  <a:solidFill>
+                    <a:schemeClr val="tx2">
+                      <a:lumMod val="10000"/>
+                    </a:schemeClr>
+                  </a:solidFill>
+                </a:rPr>
+                <a:t>Pvalue</a:t>
+              </a:r>
+              <a:r>
+                <a:rPr lang="en-US" sz="1100" dirty="0">
+                  <a:solidFill>
+                    <a:schemeClr val="tx2">
+                      <a:lumMod val="10000"/>
+                    </a:schemeClr>
+                  </a:solidFill>
+                </a:rPr>
+                <a:t> = 0.8381376720055401, R^2=0.002032867482902925</a:t>
+              </a:r>
+            </a:p>
+            <a:p>
+              <a:r>
+                <a:rPr lang="en-US" sz="1100" dirty="0">
+                  <a:solidFill>
+                    <a:schemeClr val="tx2">
+                      <a:lumMod val="10000"/>
+                    </a:schemeClr>
+                  </a:solidFill>
+                </a:rPr>
+                <a:t>Polynomial Regression: -6.902e-08 x ^4+ 0.0003221 x ^3- 0.4963 x^2 + 279.9 x + 3.305e+04</a:t>
+              </a:r>
+            </a:p>
+          </p:txBody>
+        </p:sp>
+      </p:grpSp>
     </p:spTree>
     <p:extLst>
       <p:ext uri="{BB962C8B-B14F-4D97-AF65-F5344CB8AC3E}">
@@ -12736,6 +13601,15 @@
 </file>
 
 <file path=customXml/item1.xml><?xml version="1.0" encoding="utf-8"?>
+<?mso-contentType ?>
+<FormTemplates xmlns="http://schemas.microsoft.com/sharepoint/v3/contenttype/forms">
+  <Display>DocumentLibraryForm</Display>
+  <Edit>AssetEditForm</Edit>
+  <New>DocumentLibraryForm</New>
+</FormTemplates>
+</file>
+
+<file path=customXml/item2.xml><?xml version="1.0" encoding="utf-8"?>
 <p:properties xmlns:p="http://schemas.microsoft.com/office/2006/metadata/properties" xmlns:xsi="http://www.w3.org/2001/XMLSchema-instance" xmlns:pc="http://schemas.microsoft.com/office/infopath/2007/PartnerControls">
   <documentManagement>
     <APDescription xmlns="4873beb7-5857-4685-be1f-d57550cc96cc" xsi:nil="true"/>
@@ -12859,15 +13733,6 @@
     <UANotes xmlns="4873beb7-5857-4685-be1f-d57550cc96cc" xsi:nil="true"/>
   </documentManagement>
 </p:properties>
-</file>
-
-<file path=customXml/item2.xml><?xml version="1.0" encoding="utf-8"?>
-<?mso-contentType ?>
-<FormTemplates xmlns="http://schemas.microsoft.com/sharepoint/v3/contenttype/forms">
-  <Display>DocumentLibraryForm</Display>
-  <Edit>AssetEditForm</Edit>
-  <New>DocumentLibraryForm</New>
-</FormTemplates>
 </file>
 
 <file path=customXml/item3.xml><?xml version="1.0" encoding="utf-8"?>
@@ -13911,6 +14776,14 @@
 </file>
 
 <file path=customXml/itemProps1.xml><?xml version="1.0" encoding="utf-8"?>
+<ds:datastoreItem xmlns:ds="http://schemas.openxmlformats.org/officeDocument/2006/customXml" ds:itemID="{100AC149-8447-4BE5-88C7-DBE24EA73E83}">
+  <ds:schemaRefs>
+    <ds:schemaRef ds:uri="http://schemas.microsoft.com/sharepoint/v3/contenttype/forms"/>
+  </ds:schemaRefs>
+</ds:datastoreItem>
+</file>
+
+<file path=customXml/itemProps2.xml><?xml version="1.0" encoding="utf-8"?>
 <ds:datastoreItem xmlns:ds="http://schemas.openxmlformats.org/officeDocument/2006/customXml" ds:itemID="{D0D1C9B0-FE26-433B-8E1A-54CCDFA4EB1D}">
   <ds:schemaRefs>
     <ds:schemaRef ds:uri="http://purl.org/dc/terms/"/>
@@ -13922,14 +14795,6 @@
     <ds:schemaRef ds:uri="http://purl.org/dc/elements/1.1/"/>
     <ds:schemaRef ds:uri="http://schemas.openxmlformats.org/package/2006/metadata/core-properties"/>
     <ds:schemaRef ds:uri="http://schemas.microsoft.com/office/2006/metadata/properties"/>
-  </ds:schemaRefs>
-</ds:datastoreItem>
-</file>
-
-<file path=customXml/itemProps2.xml><?xml version="1.0" encoding="utf-8"?>
-<ds:datastoreItem xmlns:ds="http://schemas.openxmlformats.org/officeDocument/2006/customXml" ds:itemID="{100AC149-8447-4BE5-88C7-DBE24EA73E83}">
-  <ds:schemaRefs>
-    <ds:schemaRef ds:uri="http://schemas.microsoft.com/sharepoint/v3/contenttype/forms"/>
   </ds:schemaRefs>
 </ds:datastoreItem>
 </file>
